--- a/docs/Introduction_To_Microservices_Part_4_security.pptx
+++ b/docs/Introduction_To_Microservices_Part_4_security.pptx
@@ -7,6 +7,10 @@
   <p:sldIdLst>
     <p:sldId id="256" r:id="rId2"/>
     <p:sldId id="268" r:id="rId3"/>
+    <p:sldId id="269" r:id="rId4"/>
+    <p:sldId id="270" r:id="rId5"/>
+    <p:sldId id="271" r:id="rId6"/>
+    <p:sldId id="272" r:id="rId7"/>
   </p:sldIdLst>
   <p:sldSz cx="12192000" cy="6858000"/>
   <p:notesSz cx="6858000" cy="9144000"/>
@@ -859,7 +863,7 @@
             <a:fld id="{B61BEF0D-F0BB-DE4B-95CE-6DB70DBA9567}" type="datetimeFigureOut">
               <a:rPr lang="en-US" dirty="0"/>
               <a:pPr/>
-              <a:t>9/8/2019</a:t>
+              <a:t>12/25/2019</a:t>
             </a:fld>
             <a:endParaRPr lang="en-US" dirty="0"/>
           </a:p>
@@ -1107,7 +1111,7 @@
             <a:fld id="{B61BEF0D-F0BB-DE4B-95CE-6DB70DBA9567}" type="datetimeFigureOut">
               <a:rPr lang="en-US" dirty="0"/>
               <a:pPr/>
-              <a:t>9/8/2019</a:t>
+              <a:t>12/25/2019</a:t>
             </a:fld>
             <a:endParaRPr lang="en-US" dirty="0"/>
           </a:p>
@@ -1418,7 +1422,7 @@
             <a:fld id="{B61BEF0D-F0BB-DE4B-95CE-6DB70DBA9567}" type="datetimeFigureOut">
               <a:rPr lang="en-US" dirty="0"/>
               <a:pPr/>
-              <a:t>9/8/2019</a:t>
+              <a:t>12/25/2019</a:t>
             </a:fld>
             <a:endParaRPr lang="en-US" dirty="0"/>
           </a:p>
@@ -1748,7 +1752,7 @@
             <a:fld id="{B61BEF0D-F0BB-DE4B-95CE-6DB70DBA9567}" type="datetimeFigureOut">
               <a:rPr lang="en-US" dirty="0"/>
               <a:pPr/>
-              <a:t>9/8/2019</a:t>
+              <a:t>12/25/2019</a:t>
             </a:fld>
             <a:endParaRPr lang="en-US" dirty="0"/>
           </a:p>
@@ -2059,7 +2063,7 @@
             <a:fld id="{B61BEF0D-F0BB-DE4B-95CE-6DB70DBA9567}" type="datetimeFigureOut">
               <a:rPr lang="en-US" dirty="0"/>
               <a:pPr/>
-              <a:t>9/8/2019</a:t>
+              <a:t>12/25/2019</a:t>
             </a:fld>
             <a:endParaRPr lang="en-US" dirty="0"/>
           </a:p>
@@ -2449,7 +2453,7 @@
             <a:fld id="{B61BEF0D-F0BB-DE4B-95CE-6DB70DBA9567}" type="datetimeFigureOut">
               <a:rPr lang="en-US" dirty="0"/>
               <a:pPr/>
-              <a:t>9/8/2019</a:t>
+              <a:t>12/25/2019</a:t>
             </a:fld>
             <a:endParaRPr lang="en-US" dirty="0"/>
           </a:p>
@@ -2615,7 +2619,7 @@
           <a:p>
             <a:fld id="{55C6B4A9-1611-4792-9094-5F34BCA07E0B}" type="datetimeFigureOut">
               <a:rPr lang="en-US" dirty="0"/>
-              <a:t>9/8/2019</a:t>
+              <a:t>12/25/2019</a:t>
             </a:fld>
             <a:endParaRPr lang="en-US" dirty="0"/>
           </a:p>
@@ -2791,7 +2795,7 @@
             <a:fld id="{B61BEF0D-F0BB-DE4B-95CE-6DB70DBA9567}" type="datetimeFigureOut">
               <a:rPr lang="en-US" dirty="0"/>
               <a:pPr/>
-              <a:t>9/8/2019</a:t>
+              <a:t>12/25/2019</a:t>
             </a:fld>
             <a:endParaRPr lang="en-US" dirty="0"/>
           </a:p>
@@ -2957,7 +2961,7 @@
           <a:p>
             <a:fld id="{42A54C80-263E-416B-A8E0-580EDEADCBDC}" type="datetimeFigureOut">
               <a:rPr lang="en-US" dirty="0"/>
-              <a:t>9/8/2019</a:t>
+              <a:t>12/25/2019</a:t>
             </a:fld>
             <a:endParaRPr lang="en-US" dirty="0"/>
           </a:p>
@@ -3200,7 +3204,7 @@
             <a:fld id="{B61BEF0D-F0BB-DE4B-95CE-6DB70DBA9567}" type="datetimeFigureOut">
               <a:rPr lang="en-US" dirty="0"/>
               <a:pPr/>
-              <a:t>9/8/2019</a:t>
+              <a:t>12/25/2019</a:t>
             </a:fld>
             <a:endParaRPr lang="en-US" dirty="0"/>
           </a:p>
@@ -3428,7 +3432,7 @@
           <a:p>
             <a:fld id="{42A54C80-263E-416B-A8E0-580EDEADCBDC}" type="datetimeFigureOut">
               <a:rPr lang="en-US" dirty="0"/>
-              <a:t>9/8/2019</a:t>
+              <a:t>12/25/2019</a:t>
             </a:fld>
             <a:endParaRPr lang="en-US" dirty="0"/>
           </a:p>
@@ -3798,7 +3802,7 @@
             <a:fld id="{B61BEF0D-F0BB-DE4B-95CE-6DB70DBA9567}" type="datetimeFigureOut">
               <a:rPr lang="en-US" dirty="0"/>
               <a:pPr/>
-              <a:t>9/8/2019</a:t>
+              <a:t>12/25/2019</a:t>
             </a:fld>
             <a:endParaRPr lang="en-US" dirty="0"/>
           </a:p>
@@ -3918,7 +3922,7 @@
             <a:fld id="{B61BEF0D-F0BB-DE4B-95CE-6DB70DBA9567}" type="datetimeFigureOut">
               <a:rPr lang="en-US" dirty="0"/>
               <a:pPr/>
-              <a:t>9/8/2019</a:t>
+              <a:t>12/25/2019</a:t>
             </a:fld>
             <a:endParaRPr lang="en-US" dirty="0"/>
           </a:p>
@@ -4010,7 +4014,7 @@
             <a:fld id="{B61BEF0D-F0BB-DE4B-95CE-6DB70DBA9567}" type="datetimeFigureOut">
               <a:rPr lang="en-US" dirty="0"/>
               <a:pPr/>
-              <a:t>9/8/2019</a:t>
+              <a:t>12/25/2019</a:t>
             </a:fld>
             <a:endParaRPr lang="en-US" dirty="0"/>
           </a:p>
@@ -4261,7 +4265,7 @@
           <a:p>
             <a:fld id="{42A54C80-263E-416B-A8E0-580EDEADCBDC}" type="datetimeFigureOut">
               <a:rPr lang="en-US" dirty="0"/>
-              <a:t>9/8/2019</a:t>
+              <a:t>12/25/2019</a:t>
             </a:fld>
             <a:endParaRPr lang="en-US" dirty="0"/>
           </a:p>
@@ -4563,7 +4567,7 @@
             <a:fld id="{B61BEF0D-F0BB-DE4B-95CE-6DB70DBA9567}" type="datetimeFigureOut">
               <a:rPr lang="en-US" dirty="0"/>
               <a:pPr/>
-              <a:t>9/8/2019</a:t>
+              <a:t>12/25/2019</a:t>
             </a:fld>
             <a:endParaRPr lang="en-US" dirty="0"/>
           </a:p>
@@ -5261,7 +5265,7 @@
             <a:fld id="{B61BEF0D-F0BB-DE4B-95CE-6DB70DBA9567}" type="datetimeFigureOut">
               <a:rPr lang="en-US" dirty="0"/>
               <a:pPr/>
-              <a:t>9/8/2019</a:t>
+              <a:t>12/25/2019</a:t>
             </a:fld>
             <a:endParaRPr lang="en-US" dirty="0"/>
           </a:p>
@@ -6021,6 +6025,2433 @@
 </p:sld>
 </file>
 
+<file path=ppt/slides/slide3.xml><?xml version="1.0" encoding="utf-8"?>
+<p:sld xmlns:a="http://schemas.openxmlformats.org/drawingml/2006/main" xmlns:r="http://schemas.openxmlformats.org/officeDocument/2006/relationships" xmlns:p="http://schemas.openxmlformats.org/presentationml/2006/main">
+  <p:cSld>
+    <p:spTree>
+      <p:nvGrpSpPr>
+        <p:cNvPr id="1" name=""/>
+        <p:cNvGrpSpPr/>
+        <p:nvPr/>
+      </p:nvGrpSpPr>
+      <p:grpSpPr>
+        <a:xfrm>
+          <a:off x="0" y="0"/>
+          <a:ext cx="0" cy="0"/>
+          <a:chOff x="0" y="0"/>
+          <a:chExt cx="0" cy="0"/>
+        </a:xfrm>
+      </p:grpSpPr>
+      <p:sp>
+        <p:nvSpPr>
+          <p:cNvPr id="2" name="Title 1">
+            <a:extLst>
+              <a:ext uri="{FF2B5EF4-FFF2-40B4-BE49-F238E27FC236}">
+                <a16:creationId xmlns:a16="http://schemas.microsoft.com/office/drawing/2014/main" id="{E6C4DA45-C98A-4179-8C84-7DA41C9C17DA}"/>
+              </a:ext>
+            </a:extLst>
+          </p:cNvPr>
+          <p:cNvSpPr>
+            <a:spLocks noGrp="1"/>
+          </p:cNvSpPr>
+          <p:nvPr>
+            <p:ph type="title"/>
+          </p:nvPr>
+        </p:nvSpPr>
+        <p:spPr/>
+        <p:txBody>
+          <a:bodyPr/>
+          <a:lstStyle/>
+          <a:p>
+            <a:r>
+              <a:rPr lang="en-US" dirty="0"/>
+              <a:t>OAuth Roles</a:t>
+            </a:r>
+            <a:endParaRPr lang="pl-PL" dirty="0"/>
+          </a:p>
+        </p:txBody>
+      </p:sp>
+      <p:sp>
+        <p:nvSpPr>
+          <p:cNvPr id="3" name="Content Placeholder 2">
+            <a:extLst>
+              <a:ext uri="{FF2B5EF4-FFF2-40B4-BE49-F238E27FC236}">
+                <a16:creationId xmlns:a16="http://schemas.microsoft.com/office/drawing/2014/main" id="{1EF7068D-8103-4010-AC7E-B13513D607DB}"/>
+              </a:ext>
+            </a:extLst>
+          </p:cNvPr>
+          <p:cNvSpPr>
+            <a:spLocks noGrp="1"/>
+          </p:cNvSpPr>
+          <p:nvPr>
+            <p:ph idx="1"/>
+          </p:nvPr>
+        </p:nvSpPr>
+        <p:spPr>
+          <a:xfrm>
+            <a:off x="677335" y="1488613"/>
+            <a:ext cx="5723466" cy="4378787"/>
+          </a:xfrm>
+        </p:spPr>
+        <p:txBody>
+          <a:bodyPr>
+            <a:normAutofit fontScale="92500"/>
+          </a:bodyPr>
+          <a:lstStyle/>
+          <a:p>
+            <a:r>
+              <a:rPr lang="en-US" b="1" dirty="0"/>
+              <a:t>Resource owner: </a:t>
+            </a:r>
+            <a:r>
+              <a:rPr lang="en-US" dirty="0"/>
+              <a:t>An entity capable of granting access to a protected resource. When the resource owner is a person, it is referred to as an end-user.</a:t>
+            </a:r>
+          </a:p>
+          <a:p>
+            <a:r>
+              <a:rPr lang="en-US" b="1" dirty="0"/>
+              <a:t>Resource server: </a:t>
+            </a:r>
+            <a:r>
+              <a:rPr lang="en-US" dirty="0"/>
+              <a:t>The server hosting the protected resources, capable of accepting and responding to protected resource requests using access tokens.</a:t>
+            </a:r>
+          </a:p>
+          <a:p>
+            <a:r>
+              <a:rPr lang="en-US" b="1" dirty="0"/>
+              <a:t>Client:</a:t>
+            </a:r>
+            <a:r>
+              <a:rPr lang="en-US" dirty="0"/>
+              <a:t> An application making protected resource requests on behalf of the resource owner and with its authorization.  The term "client" does not imply any particular implementation characteristics (e.g., whether the application executes on a server, a desktop, or other devices).</a:t>
+            </a:r>
+          </a:p>
+          <a:p>
+            <a:r>
+              <a:rPr lang="en-US" b="1" dirty="0"/>
+              <a:t>Authorization server: </a:t>
+            </a:r>
+            <a:r>
+              <a:rPr lang="en-US" dirty="0"/>
+              <a:t>The server issuing access tokens to the client after successfully authenticating the resource owner and obtaining authorization.</a:t>
+            </a:r>
+            <a:endParaRPr lang="pl-PL" dirty="0"/>
+          </a:p>
+        </p:txBody>
+      </p:sp>
+      <p:sp>
+        <p:nvSpPr>
+          <p:cNvPr id="5" name="Rectangle 4">
+            <a:extLst>
+              <a:ext uri="{FF2B5EF4-FFF2-40B4-BE49-F238E27FC236}">
+                <a16:creationId xmlns:a16="http://schemas.microsoft.com/office/drawing/2014/main" id="{D620811D-CB52-4AEE-B295-1B8B88C628C7}"/>
+              </a:ext>
+            </a:extLst>
+          </p:cNvPr>
+          <p:cNvSpPr/>
+          <p:nvPr/>
+        </p:nvSpPr>
+        <p:spPr>
+          <a:xfrm>
+            <a:off x="7366000" y="1600200"/>
+            <a:ext cx="1143000" cy="3843867"/>
+          </a:xfrm>
+          <a:prstGeom prst="rect">
+            <a:avLst/>
+          </a:prstGeom>
+        </p:spPr>
+        <p:style>
+          <a:lnRef idx="2">
+            <a:schemeClr val="accent1">
+              <a:shade val="50000"/>
+            </a:schemeClr>
+          </a:lnRef>
+          <a:fillRef idx="1">
+            <a:schemeClr val="accent1"/>
+          </a:fillRef>
+          <a:effectRef idx="0">
+            <a:schemeClr val="accent1"/>
+          </a:effectRef>
+          <a:fontRef idx="minor">
+            <a:schemeClr val="lt1"/>
+          </a:fontRef>
+        </p:style>
+        <p:txBody>
+          <a:bodyPr rtlCol="0" anchor="ctr"/>
+          <a:lstStyle/>
+          <a:p>
+            <a:pPr algn="ctr"/>
+            <a:r>
+              <a:rPr lang="en-US" dirty="0"/>
+              <a:t>Client</a:t>
+            </a:r>
+            <a:endParaRPr lang="pl-PL" dirty="0"/>
+          </a:p>
+        </p:txBody>
+      </p:sp>
+      <p:sp>
+        <p:nvSpPr>
+          <p:cNvPr id="6" name="Rectangle 5">
+            <a:extLst>
+              <a:ext uri="{FF2B5EF4-FFF2-40B4-BE49-F238E27FC236}">
+                <a16:creationId xmlns:a16="http://schemas.microsoft.com/office/drawing/2014/main" id="{49DAA6FC-BC64-45E3-B3BD-2806B39D1188}"/>
+              </a:ext>
+            </a:extLst>
+          </p:cNvPr>
+          <p:cNvSpPr/>
+          <p:nvPr/>
+        </p:nvSpPr>
+        <p:spPr>
+          <a:xfrm>
+            <a:off x="9965267" y="1600200"/>
+            <a:ext cx="1143000" cy="880534"/>
+          </a:xfrm>
+          <a:prstGeom prst="rect">
+            <a:avLst/>
+          </a:prstGeom>
+        </p:spPr>
+        <p:style>
+          <a:lnRef idx="2">
+            <a:schemeClr val="accent5">
+              <a:shade val="50000"/>
+            </a:schemeClr>
+          </a:lnRef>
+          <a:fillRef idx="1">
+            <a:schemeClr val="accent5"/>
+          </a:fillRef>
+          <a:effectRef idx="0">
+            <a:schemeClr val="accent5"/>
+          </a:effectRef>
+          <a:fontRef idx="minor">
+            <a:schemeClr val="lt1"/>
+          </a:fontRef>
+        </p:style>
+        <p:txBody>
+          <a:bodyPr rtlCol="0" anchor="ctr"/>
+          <a:lstStyle/>
+          <a:p>
+            <a:pPr algn="ctr"/>
+            <a:r>
+              <a:rPr lang="en-US" dirty="0"/>
+              <a:t>Resource Owner</a:t>
+            </a:r>
+            <a:endParaRPr lang="pl-PL" dirty="0"/>
+          </a:p>
+        </p:txBody>
+      </p:sp>
+      <p:sp>
+        <p:nvSpPr>
+          <p:cNvPr id="7" name="Rectangle 6">
+            <a:extLst>
+              <a:ext uri="{FF2B5EF4-FFF2-40B4-BE49-F238E27FC236}">
+                <a16:creationId xmlns:a16="http://schemas.microsoft.com/office/drawing/2014/main" id="{621D58AE-4561-4357-B45C-69009C695D5E}"/>
+              </a:ext>
+            </a:extLst>
+          </p:cNvPr>
+          <p:cNvSpPr/>
+          <p:nvPr/>
+        </p:nvSpPr>
+        <p:spPr>
+          <a:xfrm>
+            <a:off x="9965267" y="2878667"/>
+            <a:ext cx="1143000" cy="880534"/>
+          </a:xfrm>
+          <a:prstGeom prst="rect">
+            <a:avLst/>
+          </a:prstGeom>
+        </p:spPr>
+        <p:style>
+          <a:lnRef idx="2">
+            <a:schemeClr val="accent2">
+              <a:shade val="50000"/>
+            </a:schemeClr>
+          </a:lnRef>
+          <a:fillRef idx="1">
+            <a:schemeClr val="accent2"/>
+          </a:fillRef>
+          <a:effectRef idx="0">
+            <a:schemeClr val="accent2"/>
+          </a:effectRef>
+          <a:fontRef idx="minor">
+            <a:schemeClr val="lt1"/>
+          </a:fontRef>
+        </p:style>
+        <p:txBody>
+          <a:bodyPr rtlCol="0" anchor="ctr"/>
+          <a:lstStyle/>
+          <a:p>
+            <a:pPr algn="ctr"/>
+            <a:r>
+              <a:rPr lang="en-US" dirty="0"/>
+              <a:t>Auth server</a:t>
+            </a:r>
+            <a:endParaRPr lang="pl-PL" dirty="0"/>
+          </a:p>
+        </p:txBody>
+      </p:sp>
+      <p:sp>
+        <p:nvSpPr>
+          <p:cNvPr id="8" name="Rectangle 7">
+            <a:extLst>
+              <a:ext uri="{FF2B5EF4-FFF2-40B4-BE49-F238E27FC236}">
+                <a16:creationId xmlns:a16="http://schemas.microsoft.com/office/drawing/2014/main" id="{2D189F9C-5DCD-45F2-A8D2-16BFB7B8AF96}"/>
+              </a:ext>
+            </a:extLst>
+          </p:cNvPr>
+          <p:cNvSpPr/>
+          <p:nvPr/>
+        </p:nvSpPr>
+        <p:spPr>
+          <a:xfrm>
+            <a:off x="9965267" y="4377266"/>
+            <a:ext cx="1143000" cy="880534"/>
+          </a:xfrm>
+          <a:prstGeom prst="rect">
+            <a:avLst/>
+          </a:prstGeom>
+          <a:solidFill>
+            <a:srgbClr val="7030A0"/>
+          </a:solidFill>
+        </p:spPr>
+        <p:style>
+          <a:lnRef idx="2">
+            <a:schemeClr val="accent4">
+              <a:shade val="50000"/>
+            </a:schemeClr>
+          </a:lnRef>
+          <a:fillRef idx="1">
+            <a:schemeClr val="accent4"/>
+          </a:fillRef>
+          <a:effectRef idx="0">
+            <a:schemeClr val="accent4"/>
+          </a:effectRef>
+          <a:fontRef idx="minor">
+            <a:schemeClr val="lt1"/>
+          </a:fontRef>
+        </p:style>
+        <p:txBody>
+          <a:bodyPr rtlCol="0" anchor="ctr"/>
+          <a:lstStyle/>
+          <a:p>
+            <a:pPr algn="ctr"/>
+            <a:r>
+              <a:rPr lang="en-US" dirty="0"/>
+              <a:t>Resource Server</a:t>
+            </a:r>
+            <a:endParaRPr lang="pl-PL" dirty="0"/>
+          </a:p>
+        </p:txBody>
+      </p:sp>
+      <p:cxnSp>
+        <p:nvCxnSpPr>
+          <p:cNvPr id="12" name="Straight Arrow Connector 11">
+            <a:extLst>
+              <a:ext uri="{FF2B5EF4-FFF2-40B4-BE49-F238E27FC236}">
+                <a16:creationId xmlns:a16="http://schemas.microsoft.com/office/drawing/2014/main" id="{C96E5AB9-0E3E-4845-B8E0-3CA26DBC25CF}"/>
+              </a:ext>
+            </a:extLst>
+          </p:cNvPr>
+          <p:cNvCxnSpPr/>
+          <p:nvPr/>
+        </p:nvCxnSpPr>
+        <p:spPr>
+          <a:xfrm>
+            <a:off x="8509000" y="1820333"/>
+            <a:ext cx="1397000" cy="0"/>
+          </a:xfrm>
+          <a:prstGeom prst="straightConnector1">
+            <a:avLst/>
+          </a:prstGeom>
+          <a:ln>
+            <a:headEnd type="none" w="med" len="med"/>
+            <a:tailEnd type="arrow" w="med" len="med"/>
+          </a:ln>
+        </p:spPr>
+        <p:style>
+          <a:lnRef idx="3">
+            <a:schemeClr val="dk1"/>
+          </a:lnRef>
+          <a:fillRef idx="0">
+            <a:schemeClr val="dk1"/>
+          </a:fillRef>
+          <a:effectRef idx="2">
+            <a:schemeClr val="dk1"/>
+          </a:effectRef>
+          <a:fontRef idx="minor">
+            <a:schemeClr val="tx1"/>
+          </a:fontRef>
+        </p:style>
+      </p:cxnSp>
+    </p:spTree>
+    <p:extLst>
+      <p:ext uri="{BB962C8B-B14F-4D97-AF65-F5344CB8AC3E}">
+        <p14:creationId xmlns:p14="http://schemas.microsoft.com/office/powerpoint/2010/main" val="2021513736"/>
+      </p:ext>
+    </p:extLst>
+  </p:cSld>
+  <p:clrMapOvr>
+    <a:masterClrMapping/>
+  </p:clrMapOvr>
+</p:sld>
+</file>
+
+<file path=ppt/slides/slide4.xml><?xml version="1.0" encoding="utf-8"?>
+<p:sld xmlns:a="http://schemas.openxmlformats.org/drawingml/2006/main" xmlns:r="http://schemas.openxmlformats.org/officeDocument/2006/relationships" xmlns:p="http://schemas.openxmlformats.org/presentationml/2006/main">
+  <p:cSld>
+    <p:spTree>
+      <p:nvGrpSpPr>
+        <p:cNvPr id="1" name=""/>
+        <p:cNvGrpSpPr/>
+        <p:nvPr/>
+      </p:nvGrpSpPr>
+      <p:grpSpPr>
+        <a:xfrm>
+          <a:off x="0" y="0"/>
+          <a:ext cx="0" cy="0"/>
+          <a:chOff x="0" y="0"/>
+          <a:chExt cx="0" cy="0"/>
+        </a:xfrm>
+      </p:grpSpPr>
+      <p:sp>
+        <p:nvSpPr>
+          <p:cNvPr id="2" name="Title 1">
+            <a:extLst>
+              <a:ext uri="{FF2B5EF4-FFF2-40B4-BE49-F238E27FC236}">
+                <a16:creationId xmlns:a16="http://schemas.microsoft.com/office/drawing/2014/main" id="{DE01BE70-1E12-4568-BEC9-7C0E81D27359}"/>
+              </a:ext>
+            </a:extLst>
+          </p:cNvPr>
+          <p:cNvSpPr>
+            <a:spLocks noGrp="1"/>
+          </p:cNvSpPr>
+          <p:nvPr>
+            <p:ph type="title"/>
+          </p:nvPr>
+        </p:nvSpPr>
+        <p:spPr/>
+        <p:txBody>
+          <a:bodyPr/>
+          <a:lstStyle/>
+          <a:p>
+            <a:r>
+              <a:rPr lang="en-US" dirty="0"/>
+              <a:t>Secure API with Access Tokens</a:t>
+            </a:r>
+            <a:endParaRPr lang="pl-PL" dirty="0"/>
+          </a:p>
+        </p:txBody>
+      </p:sp>
+      <p:grpSp>
+        <p:nvGrpSpPr>
+          <p:cNvPr id="10" name="Group 9">
+            <a:extLst>
+              <a:ext uri="{FF2B5EF4-FFF2-40B4-BE49-F238E27FC236}">
+                <a16:creationId xmlns:a16="http://schemas.microsoft.com/office/drawing/2014/main" id="{E735188B-4548-41B3-AD87-52C8F0D242C3}"/>
+              </a:ext>
+            </a:extLst>
+          </p:cNvPr>
+          <p:cNvGrpSpPr/>
+          <p:nvPr/>
+        </p:nvGrpSpPr>
+        <p:grpSpPr>
+          <a:xfrm>
+            <a:off x="6930836" y="2710828"/>
+            <a:ext cx="5046667" cy="3868218"/>
+            <a:chOff x="5700102" y="2779161"/>
+            <a:chExt cx="5046667" cy="3868218"/>
+          </a:xfrm>
+        </p:grpSpPr>
+        <p:sp>
+          <p:nvSpPr>
+            <p:cNvPr id="5" name="Rectangle 4">
+              <a:extLst>
+                <a:ext uri="{FF2B5EF4-FFF2-40B4-BE49-F238E27FC236}">
+                  <a16:creationId xmlns:a16="http://schemas.microsoft.com/office/drawing/2014/main" id="{3BF5936A-E2BB-41E6-829C-B3036ED2495A}"/>
+                </a:ext>
+              </a:extLst>
+            </p:cNvPr>
+            <p:cNvSpPr/>
+            <p:nvPr/>
+          </p:nvSpPr>
+          <p:spPr>
+            <a:xfrm>
+              <a:off x="8449235" y="4515145"/>
+              <a:ext cx="1143000" cy="880534"/>
+            </a:xfrm>
+            <a:prstGeom prst="rect">
+              <a:avLst/>
+            </a:prstGeom>
+          </p:spPr>
+          <p:style>
+            <a:lnRef idx="2">
+              <a:schemeClr val="accent2">
+                <a:shade val="50000"/>
+              </a:schemeClr>
+            </a:lnRef>
+            <a:fillRef idx="1">
+              <a:schemeClr val="accent2"/>
+            </a:fillRef>
+            <a:effectRef idx="0">
+              <a:schemeClr val="accent2"/>
+            </a:effectRef>
+            <a:fontRef idx="minor">
+              <a:schemeClr val="lt1"/>
+            </a:fontRef>
+          </p:style>
+          <p:txBody>
+            <a:bodyPr rtlCol="0" anchor="ctr"/>
+            <a:lstStyle/>
+            <a:p>
+              <a:pPr algn="ctr"/>
+              <a:r>
+                <a:rPr lang="en-US" dirty="0"/>
+                <a:t>Email</a:t>
+              </a:r>
+            </a:p>
+            <a:p>
+              <a:pPr algn="ctr"/>
+              <a:r>
+                <a:rPr lang="en-US" dirty="0"/>
+                <a:t>Service</a:t>
+              </a:r>
+              <a:endParaRPr lang="pl-PL" dirty="0"/>
+            </a:p>
+          </p:txBody>
+        </p:sp>
+        <p:sp>
+          <p:nvSpPr>
+            <p:cNvPr id="6" name="Rectangle 5">
+              <a:extLst>
+                <a:ext uri="{FF2B5EF4-FFF2-40B4-BE49-F238E27FC236}">
+                  <a16:creationId xmlns:a16="http://schemas.microsoft.com/office/drawing/2014/main" id="{5A5A6B16-AF7D-4044-A3DD-F73319D14B8D}"/>
+                </a:ext>
+              </a:extLst>
+            </p:cNvPr>
+            <p:cNvSpPr/>
+            <p:nvPr/>
+          </p:nvSpPr>
+          <p:spPr>
+            <a:xfrm>
+              <a:off x="9100791" y="5252908"/>
+              <a:ext cx="1143000" cy="880534"/>
+            </a:xfrm>
+            <a:prstGeom prst="rect">
+              <a:avLst/>
+            </a:prstGeom>
+            <a:solidFill>
+              <a:srgbClr val="7030A0"/>
+            </a:solidFill>
+          </p:spPr>
+          <p:style>
+            <a:lnRef idx="2">
+              <a:schemeClr val="accent4">
+                <a:shade val="50000"/>
+              </a:schemeClr>
+            </a:lnRef>
+            <a:fillRef idx="1">
+              <a:schemeClr val="accent4"/>
+            </a:fillRef>
+            <a:effectRef idx="0">
+              <a:schemeClr val="accent4"/>
+            </a:effectRef>
+            <a:fontRef idx="minor">
+              <a:schemeClr val="lt1"/>
+            </a:fontRef>
+          </p:style>
+          <p:txBody>
+            <a:bodyPr rtlCol="0" anchor="ctr"/>
+            <a:lstStyle/>
+            <a:p>
+              <a:pPr algn="ctr"/>
+              <a:r>
+                <a:rPr lang="en-US" dirty="0"/>
+                <a:t>Address</a:t>
+              </a:r>
+            </a:p>
+            <a:p>
+              <a:pPr algn="ctr"/>
+              <a:r>
+                <a:rPr lang="en-US" dirty="0"/>
+                <a:t>Service</a:t>
+              </a:r>
+              <a:endParaRPr lang="pl-PL" dirty="0"/>
+            </a:p>
+          </p:txBody>
+        </p:sp>
+        <p:sp>
+          <p:nvSpPr>
+            <p:cNvPr id="7" name="Rectangle 6">
+              <a:extLst>
+                <a:ext uri="{FF2B5EF4-FFF2-40B4-BE49-F238E27FC236}">
+                  <a16:creationId xmlns:a16="http://schemas.microsoft.com/office/drawing/2014/main" id="{4F5A1AB1-0EE1-400D-AE23-0B2FB832C2C0}"/>
+                </a:ext>
+              </a:extLst>
+            </p:cNvPr>
+            <p:cNvSpPr/>
+            <p:nvPr/>
+          </p:nvSpPr>
+          <p:spPr>
+            <a:xfrm>
+              <a:off x="6854636" y="2779161"/>
+              <a:ext cx="798022" cy="3868218"/>
+            </a:xfrm>
+            <a:prstGeom prst="rect">
+              <a:avLst/>
+            </a:prstGeom>
+            <a:solidFill>
+              <a:srgbClr val="C93F3F"/>
+            </a:solidFill>
+          </p:spPr>
+          <p:style>
+            <a:lnRef idx="2">
+              <a:schemeClr val="accent5">
+                <a:shade val="50000"/>
+              </a:schemeClr>
+            </a:lnRef>
+            <a:fillRef idx="1">
+              <a:schemeClr val="accent5"/>
+            </a:fillRef>
+            <a:effectRef idx="0">
+              <a:schemeClr val="accent5"/>
+            </a:effectRef>
+            <a:fontRef idx="minor">
+              <a:schemeClr val="lt1"/>
+            </a:fontRef>
+          </p:style>
+          <p:txBody>
+            <a:bodyPr rtlCol="0" anchor="ctr"/>
+            <a:lstStyle/>
+            <a:p>
+              <a:pPr algn="ctr"/>
+              <a:r>
+                <a:rPr lang="en-US" dirty="0" err="1"/>
+                <a:t>Zuul</a:t>
+              </a:r>
+              <a:endParaRPr lang="en-US" dirty="0"/>
+            </a:p>
+            <a:p>
+              <a:pPr algn="ctr"/>
+              <a:r>
+                <a:rPr lang="en-US" dirty="0"/>
+                <a:t>API</a:t>
+              </a:r>
+            </a:p>
+            <a:p>
+              <a:pPr algn="ctr"/>
+              <a:r>
+                <a:rPr lang="en-US" dirty="0"/>
+                <a:t>Gateway</a:t>
+              </a:r>
+            </a:p>
+          </p:txBody>
+        </p:sp>
+        <p:sp>
+          <p:nvSpPr>
+            <p:cNvPr id="8" name="Rectangle 7">
+              <a:extLst>
+                <a:ext uri="{FF2B5EF4-FFF2-40B4-BE49-F238E27FC236}">
+                  <a16:creationId xmlns:a16="http://schemas.microsoft.com/office/drawing/2014/main" id="{FAE0FE4F-E671-4663-820D-A7CA4F98CFB5}"/>
+                </a:ext>
+              </a:extLst>
+            </p:cNvPr>
+            <p:cNvSpPr/>
+            <p:nvPr/>
+          </p:nvSpPr>
+          <p:spPr>
+            <a:xfrm>
+              <a:off x="8529291" y="2968117"/>
+              <a:ext cx="1143000" cy="880534"/>
+            </a:xfrm>
+            <a:prstGeom prst="rect">
+              <a:avLst/>
+            </a:prstGeom>
+            <a:solidFill>
+              <a:srgbClr val="EA9C6C"/>
+            </a:solidFill>
+          </p:spPr>
+          <p:style>
+            <a:lnRef idx="2">
+              <a:schemeClr val="accent5">
+                <a:shade val="50000"/>
+              </a:schemeClr>
+            </a:lnRef>
+            <a:fillRef idx="1">
+              <a:schemeClr val="accent5"/>
+            </a:fillRef>
+            <a:effectRef idx="0">
+              <a:schemeClr val="accent5"/>
+            </a:effectRef>
+            <a:fontRef idx="minor">
+              <a:schemeClr val="lt1"/>
+            </a:fontRef>
+          </p:style>
+          <p:txBody>
+            <a:bodyPr rtlCol="0" anchor="ctr"/>
+            <a:lstStyle/>
+            <a:p>
+              <a:pPr algn="ctr"/>
+              <a:r>
+                <a:rPr lang="en-US" dirty="0"/>
+                <a:t>Auth</a:t>
+              </a:r>
+            </a:p>
+            <a:p>
+              <a:pPr algn="ctr"/>
+              <a:r>
+                <a:rPr lang="en-US" dirty="0"/>
+                <a:t>Service</a:t>
+              </a:r>
+              <a:endParaRPr lang="pl-PL" dirty="0"/>
+            </a:p>
+          </p:txBody>
+        </p:sp>
+        <p:sp>
+          <p:nvSpPr>
+            <p:cNvPr id="4" name="Rectangle 3">
+              <a:extLst>
+                <a:ext uri="{FF2B5EF4-FFF2-40B4-BE49-F238E27FC236}">
+                  <a16:creationId xmlns:a16="http://schemas.microsoft.com/office/drawing/2014/main" id="{1D0CD611-4AB3-4D86-AD2D-85E68AF2B1B6}"/>
+                </a:ext>
+              </a:extLst>
+            </p:cNvPr>
+            <p:cNvSpPr/>
+            <p:nvPr/>
+          </p:nvSpPr>
+          <p:spPr>
+            <a:xfrm>
+              <a:off x="7957791" y="5346664"/>
+              <a:ext cx="1143000" cy="880534"/>
+            </a:xfrm>
+            <a:prstGeom prst="rect">
+              <a:avLst/>
+            </a:prstGeom>
+          </p:spPr>
+          <p:style>
+            <a:lnRef idx="2">
+              <a:schemeClr val="accent5">
+                <a:shade val="50000"/>
+              </a:schemeClr>
+            </a:lnRef>
+            <a:fillRef idx="1">
+              <a:schemeClr val="accent5"/>
+            </a:fillRef>
+            <a:effectRef idx="0">
+              <a:schemeClr val="accent5"/>
+            </a:effectRef>
+            <a:fontRef idx="minor">
+              <a:schemeClr val="lt1"/>
+            </a:fontRef>
+          </p:style>
+          <p:txBody>
+            <a:bodyPr rtlCol="0" anchor="ctr"/>
+            <a:lstStyle/>
+            <a:p>
+              <a:pPr algn="ctr"/>
+              <a:r>
+                <a:rPr lang="en-US" dirty="0"/>
+                <a:t>User</a:t>
+              </a:r>
+            </a:p>
+            <a:p>
+              <a:pPr algn="ctr"/>
+              <a:r>
+                <a:rPr lang="en-US" dirty="0"/>
+                <a:t>Service</a:t>
+              </a:r>
+              <a:endParaRPr lang="pl-PL" dirty="0"/>
+            </a:p>
+          </p:txBody>
+        </p:sp>
+        <p:sp>
+          <p:nvSpPr>
+            <p:cNvPr id="9" name="Rectangle 8">
+              <a:extLst>
+                <a:ext uri="{FF2B5EF4-FFF2-40B4-BE49-F238E27FC236}">
+                  <a16:creationId xmlns:a16="http://schemas.microsoft.com/office/drawing/2014/main" id="{8224DF7D-B8CF-403C-BE49-63B9471A8703}"/>
+                </a:ext>
+              </a:extLst>
+            </p:cNvPr>
+            <p:cNvSpPr/>
+            <p:nvPr/>
+          </p:nvSpPr>
+          <p:spPr>
+            <a:xfrm>
+              <a:off x="7652658" y="4078840"/>
+              <a:ext cx="3094111" cy="2426273"/>
+            </a:xfrm>
+            <a:prstGeom prst="rect">
+              <a:avLst/>
+            </a:prstGeom>
+            <a:noFill/>
+            <a:ln>
+              <a:solidFill>
+                <a:schemeClr val="dk1"/>
+              </a:solidFill>
+              <a:prstDash val="dash"/>
+            </a:ln>
+          </p:spPr>
+          <p:style>
+            <a:lnRef idx="2">
+              <a:schemeClr val="dk1"/>
+            </a:lnRef>
+            <a:fillRef idx="1">
+              <a:schemeClr val="lt1"/>
+            </a:fillRef>
+            <a:effectRef idx="0">
+              <a:schemeClr val="dk1"/>
+            </a:effectRef>
+            <a:fontRef idx="minor">
+              <a:schemeClr val="dk1"/>
+            </a:fontRef>
+          </p:style>
+          <p:txBody>
+            <a:bodyPr rtlCol="0" anchor="ctr"/>
+            <a:lstStyle/>
+            <a:p>
+              <a:pPr algn="ctr"/>
+              <a:r>
+                <a:rPr lang="en-US" dirty="0"/>
+                <a:t>Secured services</a:t>
+              </a:r>
+            </a:p>
+            <a:p>
+              <a:pPr algn="ctr"/>
+              <a:endParaRPr lang="en-US" dirty="0"/>
+            </a:p>
+            <a:p>
+              <a:pPr algn="ctr"/>
+              <a:endParaRPr lang="en-US" dirty="0"/>
+            </a:p>
+            <a:p>
+              <a:pPr algn="ctr"/>
+              <a:endParaRPr lang="en-US" dirty="0"/>
+            </a:p>
+            <a:p>
+              <a:pPr algn="ctr"/>
+              <a:endParaRPr lang="en-US" dirty="0"/>
+            </a:p>
+            <a:p>
+              <a:pPr algn="ctr"/>
+              <a:endParaRPr lang="en-US" dirty="0"/>
+            </a:p>
+            <a:p>
+              <a:pPr algn="ctr"/>
+              <a:endParaRPr lang="en-US" dirty="0"/>
+            </a:p>
+            <a:p>
+              <a:pPr algn="ctr"/>
+              <a:endParaRPr lang="pl-PL" dirty="0"/>
+            </a:p>
+          </p:txBody>
+        </p:sp>
+        <p:cxnSp>
+          <p:nvCxnSpPr>
+            <p:cNvPr id="12" name="Straight Arrow Connector 11">
+              <a:extLst>
+                <a:ext uri="{FF2B5EF4-FFF2-40B4-BE49-F238E27FC236}">
+                  <a16:creationId xmlns:a16="http://schemas.microsoft.com/office/drawing/2014/main" id="{D5E9CE74-E1C0-4FD9-BCB5-A910903E7595}"/>
+                </a:ext>
+              </a:extLst>
+            </p:cNvPr>
+            <p:cNvCxnSpPr>
+              <a:cxnSpLocks/>
+            </p:cNvCxnSpPr>
+            <p:nvPr/>
+          </p:nvCxnSpPr>
+          <p:spPr>
+            <a:xfrm flipH="1">
+              <a:off x="6411074" y="3637052"/>
+              <a:ext cx="2118218" cy="0"/>
+            </a:xfrm>
+            <a:prstGeom prst="straightConnector1">
+              <a:avLst/>
+            </a:prstGeom>
+            <a:ln>
+              <a:headEnd type="none" w="med" len="med"/>
+              <a:tailEnd type="arrow" w="med" len="med"/>
+            </a:ln>
+          </p:spPr>
+          <p:style>
+            <a:lnRef idx="3">
+              <a:schemeClr val="dk1"/>
+            </a:lnRef>
+            <a:fillRef idx="0">
+              <a:schemeClr val="dk1"/>
+            </a:fillRef>
+            <a:effectRef idx="2">
+              <a:schemeClr val="dk1"/>
+            </a:effectRef>
+            <a:fontRef idx="minor">
+              <a:schemeClr val="tx1"/>
+            </a:fontRef>
+          </p:style>
+        </p:cxnSp>
+        <p:sp>
+          <p:nvSpPr>
+            <p:cNvPr id="17" name="TextBox 16">
+              <a:extLst>
+                <a:ext uri="{FF2B5EF4-FFF2-40B4-BE49-F238E27FC236}">
+                  <a16:creationId xmlns:a16="http://schemas.microsoft.com/office/drawing/2014/main" id="{8222EEB1-C23D-4CCA-B132-1FC0C5EC525A}"/>
+                </a:ext>
+              </a:extLst>
+            </p:cNvPr>
+            <p:cNvSpPr txBox="1"/>
+            <p:nvPr/>
+          </p:nvSpPr>
+          <p:spPr>
+            <a:xfrm>
+              <a:off x="6688531" y="3274337"/>
+              <a:ext cx="2585472" cy="369332"/>
+            </a:xfrm>
+            <a:prstGeom prst="rect">
+              <a:avLst/>
+            </a:prstGeom>
+            <a:noFill/>
+          </p:spPr>
+          <p:txBody>
+            <a:bodyPr wrap="square" rtlCol="0">
+              <a:spAutoFit/>
+            </a:bodyPr>
+            <a:lstStyle/>
+            <a:p>
+              <a:r>
+                <a:rPr lang="en-US" dirty="0" err="1"/>
+                <a:t>access_token</a:t>
+              </a:r>
+              <a:endParaRPr lang="pl-PL" dirty="0"/>
+            </a:p>
+          </p:txBody>
+        </p:sp>
+        <p:grpSp>
+          <p:nvGrpSpPr>
+            <p:cNvPr id="24" name="Group 23">
+              <a:extLst>
+                <a:ext uri="{FF2B5EF4-FFF2-40B4-BE49-F238E27FC236}">
+                  <a16:creationId xmlns:a16="http://schemas.microsoft.com/office/drawing/2014/main" id="{3F327E2B-0897-4F41-BB96-CE42B84D0361}"/>
+                </a:ext>
+              </a:extLst>
+            </p:cNvPr>
+            <p:cNvGrpSpPr/>
+            <p:nvPr/>
+          </p:nvGrpSpPr>
+          <p:grpSpPr>
+            <a:xfrm>
+              <a:off x="5750024" y="5278584"/>
+              <a:ext cx="2600576" cy="369332"/>
+              <a:chOff x="9376743" y="2223090"/>
+              <a:chExt cx="2600576" cy="369332"/>
+            </a:xfrm>
+          </p:grpSpPr>
+          <p:sp>
+            <p:nvSpPr>
+              <p:cNvPr id="21" name="TextBox 20">
+                <a:extLst>
+                  <a:ext uri="{FF2B5EF4-FFF2-40B4-BE49-F238E27FC236}">
+                    <a16:creationId xmlns:a16="http://schemas.microsoft.com/office/drawing/2014/main" id="{A515E544-E3DE-4B83-8623-A20112FAFAE1}"/>
+                  </a:ext>
+                </a:extLst>
+              </p:cNvPr>
+              <p:cNvSpPr txBox="1"/>
+              <p:nvPr/>
+            </p:nvSpPr>
+            <p:spPr>
+              <a:xfrm>
+                <a:off x="9391847" y="2223090"/>
+                <a:ext cx="2585472" cy="369332"/>
+              </a:xfrm>
+              <a:prstGeom prst="rect">
+                <a:avLst/>
+              </a:prstGeom>
+              <a:noFill/>
+            </p:spPr>
+            <p:txBody>
+              <a:bodyPr wrap="square" rtlCol="0">
+                <a:spAutoFit/>
+              </a:bodyPr>
+              <a:lstStyle/>
+              <a:p>
+                <a:r>
+                  <a:rPr lang="en-US" dirty="0"/>
+                  <a:t>request with token</a:t>
+                </a:r>
+                <a:endParaRPr lang="pl-PL" dirty="0"/>
+              </a:p>
+            </p:txBody>
+          </p:sp>
+          <p:cxnSp>
+            <p:nvCxnSpPr>
+              <p:cNvPr id="22" name="Straight Arrow Connector 21">
+                <a:extLst>
+                  <a:ext uri="{FF2B5EF4-FFF2-40B4-BE49-F238E27FC236}">
+                    <a16:creationId xmlns:a16="http://schemas.microsoft.com/office/drawing/2014/main" id="{6B2C27A3-3266-4277-B5F7-D6001B20F143}"/>
+                  </a:ext>
+                </a:extLst>
+              </p:cNvPr>
+              <p:cNvCxnSpPr>
+                <a:cxnSpLocks/>
+              </p:cNvCxnSpPr>
+              <p:nvPr/>
+            </p:nvCxnSpPr>
+            <p:spPr>
+              <a:xfrm>
+                <a:off x="9376743" y="2592422"/>
+                <a:ext cx="2193577" cy="0"/>
+              </a:xfrm>
+              <a:prstGeom prst="straightConnector1">
+                <a:avLst/>
+              </a:prstGeom>
+              <a:ln>
+                <a:headEnd type="none" w="med" len="med"/>
+                <a:tailEnd type="arrow" w="med" len="med"/>
+              </a:ln>
+            </p:spPr>
+            <p:style>
+              <a:lnRef idx="3">
+                <a:schemeClr val="dk1"/>
+              </a:lnRef>
+              <a:fillRef idx="0">
+                <a:schemeClr val="dk1"/>
+              </a:fillRef>
+              <a:effectRef idx="2">
+                <a:schemeClr val="dk1"/>
+              </a:effectRef>
+              <a:fontRef idx="minor">
+                <a:schemeClr val="tx1"/>
+              </a:fontRef>
+            </p:style>
+          </p:cxnSp>
+        </p:grpSp>
+        <p:grpSp>
+          <p:nvGrpSpPr>
+            <p:cNvPr id="26" name="Group 25">
+              <a:extLst>
+                <a:ext uri="{FF2B5EF4-FFF2-40B4-BE49-F238E27FC236}">
+                  <a16:creationId xmlns:a16="http://schemas.microsoft.com/office/drawing/2014/main" id="{713B2E39-BF90-4E5A-BFB9-33B7242C6195}"/>
+                </a:ext>
+              </a:extLst>
+            </p:cNvPr>
+            <p:cNvGrpSpPr/>
+            <p:nvPr/>
+          </p:nvGrpSpPr>
+          <p:grpSpPr>
+            <a:xfrm>
+              <a:off x="6238873" y="2929944"/>
+              <a:ext cx="2585472" cy="369332"/>
+              <a:chOff x="9274002" y="2223090"/>
+              <a:chExt cx="2585472" cy="369332"/>
+            </a:xfrm>
+          </p:grpSpPr>
+          <p:sp>
+            <p:nvSpPr>
+              <p:cNvPr id="27" name="TextBox 26">
+                <a:extLst>
+                  <a:ext uri="{FF2B5EF4-FFF2-40B4-BE49-F238E27FC236}">
+                    <a16:creationId xmlns:a16="http://schemas.microsoft.com/office/drawing/2014/main" id="{788E776A-8F5A-4808-A2AA-9F68E6B1B275}"/>
+                  </a:ext>
+                </a:extLst>
+              </p:cNvPr>
+              <p:cNvSpPr txBox="1"/>
+              <p:nvPr/>
+            </p:nvSpPr>
+            <p:spPr>
+              <a:xfrm>
+                <a:off x="9274002" y="2223090"/>
+                <a:ext cx="2585472" cy="369332"/>
+              </a:xfrm>
+              <a:prstGeom prst="rect">
+                <a:avLst/>
+              </a:prstGeom>
+              <a:noFill/>
+            </p:spPr>
+            <p:txBody>
+              <a:bodyPr wrap="square" rtlCol="0">
+                <a:spAutoFit/>
+              </a:bodyPr>
+              <a:lstStyle/>
+              <a:p>
+                <a:r>
+                  <a:rPr lang="en-US" dirty="0"/>
+                  <a:t>username/password</a:t>
+                </a:r>
+                <a:endParaRPr lang="pl-PL" dirty="0"/>
+              </a:p>
+            </p:txBody>
+          </p:sp>
+          <p:cxnSp>
+            <p:nvCxnSpPr>
+              <p:cNvPr id="28" name="Straight Arrow Connector 27">
+                <a:extLst>
+                  <a:ext uri="{FF2B5EF4-FFF2-40B4-BE49-F238E27FC236}">
+                    <a16:creationId xmlns:a16="http://schemas.microsoft.com/office/drawing/2014/main" id="{024995A8-1460-4464-B5EF-6EA7329D02F6}"/>
+                  </a:ext>
+                </a:extLst>
+              </p:cNvPr>
+              <p:cNvCxnSpPr>
+                <a:cxnSpLocks/>
+              </p:cNvCxnSpPr>
+              <p:nvPr/>
+            </p:nvCxnSpPr>
+            <p:spPr>
+              <a:xfrm>
+                <a:off x="9376743" y="2592422"/>
+                <a:ext cx="2193577" cy="0"/>
+              </a:xfrm>
+              <a:prstGeom prst="straightConnector1">
+                <a:avLst/>
+              </a:prstGeom>
+              <a:ln>
+                <a:headEnd type="none" w="med" len="med"/>
+                <a:tailEnd type="arrow" w="med" len="med"/>
+              </a:ln>
+            </p:spPr>
+            <p:style>
+              <a:lnRef idx="3">
+                <a:schemeClr val="dk1"/>
+              </a:lnRef>
+              <a:fillRef idx="0">
+                <a:schemeClr val="dk1"/>
+              </a:fillRef>
+              <a:effectRef idx="2">
+                <a:schemeClr val="dk1"/>
+              </a:effectRef>
+              <a:fontRef idx="minor">
+                <a:schemeClr val="tx1"/>
+              </a:fontRef>
+            </p:style>
+          </p:cxnSp>
+        </p:grpSp>
+        <p:grpSp>
+          <p:nvGrpSpPr>
+            <p:cNvPr id="31" name="Group 30">
+              <a:extLst>
+                <a:ext uri="{FF2B5EF4-FFF2-40B4-BE49-F238E27FC236}">
+                  <a16:creationId xmlns:a16="http://schemas.microsoft.com/office/drawing/2014/main" id="{CC9AFDD9-1048-4C50-8ED5-74AF4A626314}"/>
+                </a:ext>
+              </a:extLst>
+            </p:cNvPr>
+            <p:cNvGrpSpPr/>
+            <p:nvPr/>
+          </p:nvGrpSpPr>
+          <p:grpSpPr>
+            <a:xfrm>
+              <a:off x="5802598" y="5756416"/>
+              <a:ext cx="2603113" cy="370409"/>
+              <a:chOff x="6133617" y="1102669"/>
+              <a:chExt cx="2603113" cy="370409"/>
+            </a:xfrm>
+          </p:grpSpPr>
+          <p:cxnSp>
+            <p:nvCxnSpPr>
+              <p:cNvPr id="29" name="Straight Arrow Connector 28">
+                <a:extLst>
+                  <a:ext uri="{FF2B5EF4-FFF2-40B4-BE49-F238E27FC236}">
+                    <a16:creationId xmlns:a16="http://schemas.microsoft.com/office/drawing/2014/main" id="{30C97C06-3929-4834-81BF-606702446119}"/>
+                  </a:ext>
+                </a:extLst>
+              </p:cNvPr>
+              <p:cNvCxnSpPr>
+                <a:cxnSpLocks/>
+              </p:cNvCxnSpPr>
+              <p:nvPr/>
+            </p:nvCxnSpPr>
+            <p:spPr>
+              <a:xfrm flipH="1">
+                <a:off x="6133617" y="1473078"/>
+                <a:ext cx="2118218" cy="0"/>
+              </a:xfrm>
+              <a:prstGeom prst="straightConnector1">
+                <a:avLst/>
+              </a:prstGeom>
+              <a:ln>
+                <a:headEnd type="none" w="med" len="med"/>
+                <a:tailEnd type="arrow" w="med" len="med"/>
+              </a:ln>
+            </p:spPr>
+            <p:style>
+              <a:lnRef idx="3">
+                <a:schemeClr val="dk1"/>
+              </a:lnRef>
+              <a:fillRef idx="0">
+                <a:schemeClr val="dk1"/>
+              </a:fillRef>
+              <a:effectRef idx="2">
+                <a:schemeClr val="dk1"/>
+              </a:effectRef>
+              <a:fontRef idx="minor">
+                <a:schemeClr val="tx1"/>
+              </a:fontRef>
+            </p:style>
+          </p:cxnSp>
+          <p:sp>
+            <p:nvSpPr>
+              <p:cNvPr id="30" name="TextBox 29">
+                <a:extLst>
+                  <a:ext uri="{FF2B5EF4-FFF2-40B4-BE49-F238E27FC236}">
+                    <a16:creationId xmlns:a16="http://schemas.microsoft.com/office/drawing/2014/main" id="{99B41261-DFAC-45F3-B025-F4D0D3B444B0}"/>
+                  </a:ext>
+                </a:extLst>
+              </p:cNvPr>
+              <p:cNvSpPr txBox="1"/>
+              <p:nvPr/>
+            </p:nvSpPr>
+            <p:spPr>
+              <a:xfrm>
+                <a:off x="6151258" y="1102669"/>
+                <a:ext cx="2585472" cy="369332"/>
+              </a:xfrm>
+              <a:prstGeom prst="rect">
+                <a:avLst/>
+              </a:prstGeom>
+              <a:noFill/>
+            </p:spPr>
+            <p:txBody>
+              <a:bodyPr wrap="square" rtlCol="0">
+                <a:spAutoFit/>
+              </a:bodyPr>
+              <a:lstStyle/>
+              <a:p>
+                <a:r>
+                  <a:rPr lang="en-US" dirty="0"/>
+                  <a:t>Response with data</a:t>
+                </a:r>
+                <a:endParaRPr lang="pl-PL" dirty="0"/>
+              </a:p>
+            </p:txBody>
+          </p:sp>
+        </p:grpSp>
+        <p:cxnSp>
+          <p:nvCxnSpPr>
+            <p:cNvPr id="33" name="Connector: Elbow 32">
+              <a:extLst>
+                <a:ext uri="{FF2B5EF4-FFF2-40B4-BE49-F238E27FC236}">
+                  <a16:creationId xmlns:a16="http://schemas.microsoft.com/office/drawing/2014/main" id="{5E2102CA-4DA7-412C-9B65-185BE3DA55F0}"/>
+                </a:ext>
+              </a:extLst>
+            </p:cNvPr>
+            <p:cNvCxnSpPr>
+              <a:cxnSpLocks/>
+            </p:cNvCxnSpPr>
+            <p:nvPr/>
+          </p:nvCxnSpPr>
+          <p:spPr>
+            <a:xfrm>
+              <a:off x="5815750" y="4432401"/>
+              <a:ext cx="375952" cy="373614"/>
+            </a:xfrm>
+            <a:prstGeom prst="bentConnector3">
+              <a:avLst>
+                <a:gd name="adj1" fmla="val 312353"/>
+              </a:avLst>
+            </a:prstGeom>
+            <a:ln>
+              <a:headEnd type="none" w="med" len="med"/>
+              <a:tailEnd type="arrow" w="med" len="med"/>
+            </a:ln>
+          </p:spPr>
+          <p:style>
+            <a:lnRef idx="3">
+              <a:schemeClr val="dk1"/>
+            </a:lnRef>
+            <a:fillRef idx="0">
+              <a:schemeClr val="dk1"/>
+            </a:fillRef>
+            <a:effectRef idx="2">
+              <a:schemeClr val="dk1"/>
+            </a:effectRef>
+            <a:fontRef idx="minor">
+              <a:schemeClr val="tx1"/>
+            </a:fontRef>
+          </p:style>
+        </p:cxnSp>
+        <p:sp>
+          <p:nvSpPr>
+            <p:cNvPr id="45" name="Rectangle 44">
+              <a:extLst>
+                <a:ext uri="{FF2B5EF4-FFF2-40B4-BE49-F238E27FC236}">
+                  <a16:creationId xmlns:a16="http://schemas.microsoft.com/office/drawing/2014/main" id="{58683747-57D2-493B-A2CF-F41D423F824D}"/>
+                </a:ext>
+              </a:extLst>
+            </p:cNvPr>
+            <p:cNvSpPr/>
+            <p:nvPr/>
+          </p:nvSpPr>
+          <p:spPr>
+            <a:xfrm>
+              <a:off x="5700102" y="4063607"/>
+              <a:ext cx="1149531" cy="923330"/>
+            </a:xfrm>
+            <a:prstGeom prst="rect">
+              <a:avLst/>
+            </a:prstGeom>
+          </p:spPr>
+          <p:txBody>
+            <a:bodyPr wrap="square">
+              <a:spAutoFit/>
+            </a:bodyPr>
+            <a:lstStyle/>
+            <a:p>
+              <a:r>
+                <a:rPr lang="en-US" dirty="0"/>
+                <a:t>Request</a:t>
+              </a:r>
+            </a:p>
+            <a:p>
+              <a:endParaRPr lang="en-US" dirty="0"/>
+            </a:p>
+            <a:p>
+              <a:r>
+                <a:rPr lang="en-US" dirty="0"/>
+                <a:t>401 </a:t>
+              </a:r>
+              <a:endParaRPr lang="pl-PL" dirty="0"/>
+            </a:p>
+          </p:txBody>
+        </p:sp>
+      </p:grpSp>
+      <p:sp>
+        <p:nvSpPr>
+          <p:cNvPr id="25" name="Content Placeholder 2">
+            <a:extLst>
+              <a:ext uri="{FF2B5EF4-FFF2-40B4-BE49-F238E27FC236}">
+                <a16:creationId xmlns:a16="http://schemas.microsoft.com/office/drawing/2014/main" id="{0FA5E3A9-60BE-4D8C-8442-126C5C1A95ED}"/>
+              </a:ext>
+            </a:extLst>
+          </p:cNvPr>
+          <p:cNvSpPr txBox="1">
+            <a:spLocks/>
+          </p:cNvSpPr>
+          <p:nvPr/>
+        </p:nvSpPr>
+        <p:spPr>
+          <a:xfrm>
+            <a:off x="649555" y="1608467"/>
+            <a:ext cx="8182468" cy="2171852"/>
+          </a:xfrm>
+          <a:prstGeom prst="rect">
+            <a:avLst/>
+          </a:prstGeom>
+        </p:spPr>
+        <p:txBody>
+          <a:bodyPr vert="horz" lIns="91440" tIns="45720" rIns="91440" bIns="45720" rtlCol="0">
+            <a:normAutofit/>
+          </a:bodyPr>
+          <a:lstStyle>
+            <a:lvl1pPr marL="342900" indent="-342900" algn="l" defTabSz="457200" rtl="0" eaLnBrk="1" latinLnBrk="0" hangingPunct="1">
+              <a:spcBef>
+                <a:spcPts val="1000"/>
+              </a:spcBef>
+              <a:spcAft>
+                <a:spcPts val="0"/>
+              </a:spcAft>
+              <a:buClr>
+                <a:schemeClr val="accent1"/>
+              </a:buClr>
+              <a:buSzPct val="80000"/>
+              <a:buFont typeface="Wingdings 3" charset="2"/>
+              <a:buChar char=""/>
+              <a:defRPr sz="1800" kern="1200">
+                <a:solidFill>
+                  <a:schemeClr val="tx1">
+                    <a:lumMod val="75000"/>
+                    <a:lumOff val="25000"/>
+                  </a:schemeClr>
+                </a:solidFill>
+                <a:latin typeface="+mn-lt"/>
+                <a:ea typeface="+mn-ea"/>
+                <a:cs typeface="+mn-cs"/>
+              </a:defRPr>
+            </a:lvl1pPr>
+            <a:lvl2pPr marL="742950" indent="-285750" algn="l" defTabSz="457200" rtl="0" eaLnBrk="1" latinLnBrk="0" hangingPunct="1">
+              <a:spcBef>
+                <a:spcPts val="1000"/>
+              </a:spcBef>
+              <a:spcAft>
+                <a:spcPts val="0"/>
+              </a:spcAft>
+              <a:buClr>
+                <a:schemeClr val="accent1"/>
+              </a:buClr>
+              <a:buSzPct val="80000"/>
+              <a:buFont typeface="Wingdings 3" charset="2"/>
+              <a:buChar char=""/>
+              <a:defRPr sz="1600" kern="1200">
+                <a:solidFill>
+                  <a:schemeClr val="tx1">
+                    <a:lumMod val="75000"/>
+                    <a:lumOff val="25000"/>
+                  </a:schemeClr>
+                </a:solidFill>
+                <a:latin typeface="+mn-lt"/>
+                <a:ea typeface="+mn-ea"/>
+                <a:cs typeface="+mn-cs"/>
+              </a:defRPr>
+            </a:lvl2pPr>
+            <a:lvl3pPr marL="1143000" indent="-228600" algn="l" defTabSz="457200" rtl="0" eaLnBrk="1" latinLnBrk="0" hangingPunct="1">
+              <a:spcBef>
+                <a:spcPts val="1000"/>
+              </a:spcBef>
+              <a:spcAft>
+                <a:spcPts val="0"/>
+              </a:spcAft>
+              <a:buClr>
+                <a:schemeClr val="accent1"/>
+              </a:buClr>
+              <a:buSzPct val="80000"/>
+              <a:buFont typeface="Wingdings 3" charset="2"/>
+              <a:buChar char=""/>
+              <a:defRPr sz="1400" kern="1200">
+                <a:solidFill>
+                  <a:schemeClr val="tx1">
+                    <a:lumMod val="75000"/>
+                    <a:lumOff val="25000"/>
+                  </a:schemeClr>
+                </a:solidFill>
+                <a:latin typeface="+mn-lt"/>
+                <a:ea typeface="+mn-ea"/>
+                <a:cs typeface="+mn-cs"/>
+              </a:defRPr>
+            </a:lvl3pPr>
+            <a:lvl4pPr marL="1600200" indent="-228600" algn="l" defTabSz="457200" rtl="0" eaLnBrk="1" latinLnBrk="0" hangingPunct="1">
+              <a:spcBef>
+                <a:spcPts val="1000"/>
+              </a:spcBef>
+              <a:spcAft>
+                <a:spcPts val="0"/>
+              </a:spcAft>
+              <a:buClr>
+                <a:schemeClr val="accent1"/>
+              </a:buClr>
+              <a:buSzPct val="80000"/>
+              <a:buFont typeface="Wingdings 3" charset="2"/>
+              <a:buChar char=""/>
+              <a:defRPr sz="1200" kern="1200">
+                <a:solidFill>
+                  <a:schemeClr val="tx1">
+                    <a:lumMod val="75000"/>
+                    <a:lumOff val="25000"/>
+                  </a:schemeClr>
+                </a:solidFill>
+                <a:latin typeface="+mn-lt"/>
+                <a:ea typeface="+mn-ea"/>
+                <a:cs typeface="+mn-cs"/>
+              </a:defRPr>
+            </a:lvl4pPr>
+            <a:lvl5pPr marL="2057400" indent="-228600" algn="l" defTabSz="457200" rtl="0" eaLnBrk="1" latinLnBrk="0" hangingPunct="1">
+              <a:spcBef>
+                <a:spcPts val="1000"/>
+              </a:spcBef>
+              <a:spcAft>
+                <a:spcPts val="0"/>
+              </a:spcAft>
+              <a:buClr>
+                <a:schemeClr val="accent1"/>
+              </a:buClr>
+              <a:buSzPct val="80000"/>
+              <a:buFont typeface="Wingdings 3" charset="2"/>
+              <a:buChar char=""/>
+              <a:defRPr sz="1200" kern="1200">
+                <a:solidFill>
+                  <a:schemeClr val="tx1">
+                    <a:lumMod val="75000"/>
+                    <a:lumOff val="25000"/>
+                  </a:schemeClr>
+                </a:solidFill>
+                <a:latin typeface="+mn-lt"/>
+                <a:ea typeface="+mn-ea"/>
+                <a:cs typeface="+mn-cs"/>
+              </a:defRPr>
+            </a:lvl5pPr>
+            <a:lvl6pPr marL="2514600" indent="-228600" algn="l" defTabSz="457200" rtl="0" eaLnBrk="1" latinLnBrk="0" hangingPunct="1">
+              <a:spcBef>
+                <a:spcPts val="1000"/>
+              </a:spcBef>
+              <a:spcAft>
+                <a:spcPts val="0"/>
+              </a:spcAft>
+              <a:buClr>
+                <a:schemeClr val="accent1"/>
+              </a:buClr>
+              <a:buSzPct val="80000"/>
+              <a:buFont typeface="Wingdings 3" charset="2"/>
+              <a:buChar char=""/>
+              <a:defRPr sz="1200" kern="1200">
+                <a:solidFill>
+                  <a:schemeClr val="tx1">
+                    <a:lumMod val="75000"/>
+                    <a:lumOff val="25000"/>
+                  </a:schemeClr>
+                </a:solidFill>
+                <a:latin typeface="+mn-lt"/>
+                <a:ea typeface="+mn-ea"/>
+                <a:cs typeface="+mn-cs"/>
+              </a:defRPr>
+            </a:lvl6pPr>
+            <a:lvl7pPr marL="2971800" indent="-228600" algn="l" defTabSz="457200" rtl="0" eaLnBrk="1" latinLnBrk="0" hangingPunct="1">
+              <a:spcBef>
+                <a:spcPts val="1000"/>
+              </a:spcBef>
+              <a:spcAft>
+                <a:spcPts val="0"/>
+              </a:spcAft>
+              <a:buClr>
+                <a:schemeClr val="accent1"/>
+              </a:buClr>
+              <a:buSzPct val="80000"/>
+              <a:buFont typeface="Wingdings 3" charset="2"/>
+              <a:buChar char=""/>
+              <a:defRPr sz="1200" kern="1200">
+                <a:solidFill>
+                  <a:schemeClr val="tx1">
+                    <a:lumMod val="75000"/>
+                    <a:lumOff val="25000"/>
+                  </a:schemeClr>
+                </a:solidFill>
+                <a:latin typeface="+mn-lt"/>
+                <a:ea typeface="+mn-ea"/>
+                <a:cs typeface="+mn-cs"/>
+              </a:defRPr>
+            </a:lvl7pPr>
+            <a:lvl8pPr marL="3429000" indent="-228600" algn="l" defTabSz="457200" rtl="0" eaLnBrk="1" latinLnBrk="0" hangingPunct="1">
+              <a:spcBef>
+                <a:spcPts val="1000"/>
+              </a:spcBef>
+              <a:spcAft>
+                <a:spcPts val="0"/>
+              </a:spcAft>
+              <a:buClr>
+                <a:schemeClr val="accent1"/>
+              </a:buClr>
+              <a:buSzPct val="80000"/>
+              <a:buFont typeface="Wingdings 3" charset="2"/>
+              <a:buChar char=""/>
+              <a:defRPr sz="1200" kern="1200">
+                <a:solidFill>
+                  <a:schemeClr val="tx1">
+                    <a:lumMod val="75000"/>
+                    <a:lumOff val="25000"/>
+                  </a:schemeClr>
+                </a:solidFill>
+                <a:latin typeface="+mn-lt"/>
+                <a:ea typeface="+mn-ea"/>
+                <a:cs typeface="+mn-cs"/>
+              </a:defRPr>
+            </a:lvl8pPr>
+            <a:lvl9pPr marL="3886200" indent="-228600" algn="l" defTabSz="457200" rtl="0" eaLnBrk="1" latinLnBrk="0" hangingPunct="1">
+              <a:spcBef>
+                <a:spcPts val="1000"/>
+              </a:spcBef>
+              <a:spcAft>
+                <a:spcPts val="0"/>
+              </a:spcAft>
+              <a:buClr>
+                <a:schemeClr val="accent1"/>
+              </a:buClr>
+              <a:buSzPct val="80000"/>
+              <a:buFont typeface="Wingdings 3" charset="2"/>
+              <a:buChar char=""/>
+              <a:defRPr sz="1200" kern="1200">
+                <a:solidFill>
+                  <a:schemeClr val="tx1">
+                    <a:lumMod val="75000"/>
+                    <a:lumOff val="25000"/>
+                  </a:schemeClr>
+                </a:solidFill>
+                <a:latin typeface="+mn-lt"/>
+                <a:ea typeface="+mn-ea"/>
+                <a:cs typeface="+mn-cs"/>
+              </a:defRPr>
+            </a:lvl9pPr>
+          </a:lstStyle>
+          <a:p>
+            <a:r>
+              <a:rPr lang="en-US" dirty="0"/>
+              <a:t>Access Tokens are used in token-based authentication to allow an application to access an API. The application receives an Access Token after a user successfully authenticates and authorizes access, then passes the Access Token as a credential when it calls the target API.</a:t>
+            </a:r>
+            <a:endParaRPr lang="pl-PL" dirty="0"/>
+          </a:p>
+        </p:txBody>
+      </p:sp>
+      <p:sp>
+        <p:nvSpPr>
+          <p:cNvPr id="32" name="Content Placeholder 2">
+            <a:extLst>
+              <a:ext uri="{FF2B5EF4-FFF2-40B4-BE49-F238E27FC236}">
+                <a16:creationId xmlns:a16="http://schemas.microsoft.com/office/drawing/2014/main" id="{4056B65E-4583-419A-AEFE-F6D3B8D06BB5}"/>
+              </a:ext>
+            </a:extLst>
+          </p:cNvPr>
+          <p:cNvSpPr txBox="1">
+            <a:spLocks/>
+          </p:cNvSpPr>
+          <p:nvPr/>
+        </p:nvSpPr>
+        <p:spPr>
+          <a:xfrm>
+            <a:off x="638705" y="2812217"/>
+            <a:ext cx="6292130" cy="3525519"/>
+          </a:xfrm>
+          <a:prstGeom prst="rect">
+            <a:avLst/>
+          </a:prstGeom>
+        </p:spPr>
+        <p:txBody>
+          <a:bodyPr vert="horz" lIns="91440" tIns="45720" rIns="91440" bIns="45720" rtlCol="0">
+            <a:normAutofit/>
+          </a:bodyPr>
+          <a:lstStyle>
+            <a:lvl1pPr marL="342900" indent="-342900" algn="l" defTabSz="457200" rtl="0" eaLnBrk="1" latinLnBrk="0" hangingPunct="1">
+              <a:spcBef>
+                <a:spcPts val="1000"/>
+              </a:spcBef>
+              <a:spcAft>
+                <a:spcPts val="0"/>
+              </a:spcAft>
+              <a:buClr>
+                <a:schemeClr val="accent1"/>
+              </a:buClr>
+              <a:buSzPct val="80000"/>
+              <a:buFont typeface="Wingdings 3" charset="2"/>
+              <a:buChar char=""/>
+              <a:defRPr sz="1800" kern="1200">
+                <a:solidFill>
+                  <a:schemeClr val="tx1">
+                    <a:lumMod val="75000"/>
+                    <a:lumOff val="25000"/>
+                  </a:schemeClr>
+                </a:solidFill>
+                <a:latin typeface="+mn-lt"/>
+                <a:ea typeface="+mn-ea"/>
+                <a:cs typeface="+mn-cs"/>
+              </a:defRPr>
+            </a:lvl1pPr>
+            <a:lvl2pPr marL="742950" indent="-285750" algn="l" defTabSz="457200" rtl="0" eaLnBrk="1" latinLnBrk="0" hangingPunct="1">
+              <a:spcBef>
+                <a:spcPts val="1000"/>
+              </a:spcBef>
+              <a:spcAft>
+                <a:spcPts val="0"/>
+              </a:spcAft>
+              <a:buClr>
+                <a:schemeClr val="accent1"/>
+              </a:buClr>
+              <a:buSzPct val="80000"/>
+              <a:buFont typeface="Wingdings 3" charset="2"/>
+              <a:buChar char=""/>
+              <a:defRPr sz="1600" kern="1200">
+                <a:solidFill>
+                  <a:schemeClr val="tx1">
+                    <a:lumMod val="75000"/>
+                    <a:lumOff val="25000"/>
+                  </a:schemeClr>
+                </a:solidFill>
+                <a:latin typeface="+mn-lt"/>
+                <a:ea typeface="+mn-ea"/>
+                <a:cs typeface="+mn-cs"/>
+              </a:defRPr>
+            </a:lvl2pPr>
+            <a:lvl3pPr marL="1143000" indent="-228600" algn="l" defTabSz="457200" rtl="0" eaLnBrk="1" latinLnBrk="0" hangingPunct="1">
+              <a:spcBef>
+                <a:spcPts val="1000"/>
+              </a:spcBef>
+              <a:spcAft>
+                <a:spcPts val="0"/>
+              </a:spcAft>
+              <a:buClr>
+                <a:schemeClr val="accent1"/>
+              </a:buClr>
+              <a:buSzPct val="80000"/>
+              <a:buFont typeface="Wingdings 3" charset="2"/>
+              <a:buChar char=""/>
+              <a:defRPr sz="1400" kern="1200">
+                <a:solidFill>
+                  <a:schemeClr val="tx1">
+                    <a:lumMod val="75000"/>
+                    <a:lumOff val="25000"/>
+                  </a:schemeClr>
+                </a:solidFill>
+                <a:latin typeface="+mn-lt"/>
+                <a:ea typeface="+mn-ea"/>
+                <a:cs typeface="+mn-cs"/>
+              </a:defRPr>
+            </a:lvl3pPr>
+            <a:lvl4pPr marL="1600200" indent="-228600" algn="l" defTabSz="457200" rtl="0" eaLnBrk="1" latinLnBrk="0" hangingPunct="1">
+              <a:spcBef>
+                <a:spcPts val="1000"/>
+              </a:spcBef>
+              <a:spcAft>
+                <a:spcPts val="0"/>
+              </a:spcAft>
+              <a:buClr>
+                <a:schemeClr val="accent1"/>
+              </a:buClr>
+              <a:buSzPct val="80000"/>
+              <a:buFont typeface="Wingdings 3" charset="2"/>
+              <a:buChar char=""/>
+              <a:defRPr sz="1200" kern="1200">
+                <a:solidFill>
+                  <a:schemeClr val="tx1">
+                    <a:lumMod val="75000"/>
+                    <a:lumOff val="25000"/>
+                  </a:schemeClr>
+                </a:solidFill>
+                <a:latin typeface="+mn-lt"/>
+                <a:ea typeface="+mn-ea"/>
+                <a:cs typeface="+mn-cs"/>
+              </a:defRPr>
+            </a:lvl4pPr>
+            <a:lvl5pPr marL="2057400" indent="-228600" algn="l" defTabSz="457200" rtl="0" eaLnBrk="1" latinLnBrk="0" hangingPunct="1">
+              <a:spcBef>
+                <a:spcPts val="1000"/>
+              </a:spcBef>
+              <a:spcAft>
+                <a:spcPts val="0"/>
+              </a:spcAft>
+              <a:buClr>
+                <a:schemeClr val="accent1"/>
+              </a:buClr>
+              <a:buSzPct val="80000"/>
+              <a:buFont typeface="Wingdings 3" charset="2"/>
+              <a:buChar char=""/>
+              <a:defRPr sz="1200" kern="1200">
+                <a:solidFill>
+                  <a:schemeClr val="tx1">
+                    <a:lumMod val="75000"/>
+                    <a:lumOff val="25000"/>
+                  </a:schemeClr>
+                </a:solidFill>
+                <a:latin typeface="+mn-lt"/>
+                <a:ea typeface="+mn-ea"/>
+                <a:cs typeface="+mn-cs"/>
+              </a:defRPr>
+            </a:lvl5pPr>
+            <a:lvl6pPr marL="2514600" indent="-228600" algn="l" defTabSz="457200" rtl="0" eaLnBrk="1" latinLnBrk="0" hangingPunct="1">
+              <a:spcBef>
+                <a:spcPts val="1000"/>
+              </a:spcBef>
+              <a:spcAft>
+                <a:spcPts val="0"/>
+              </a:spcAft>
+              <a:buClr>
+                <a:schemeClr val="accent1"/>
+              </a:buClr>
+              <a:buSzPct val="80000"/>
+              <a:buFont typeface="Wingdings 3" charset="2"/>
+              <a:buChar char=""/>
+              <a:defRPr sz="1200" kern="1200">
+                <a:solidFill>
+                  <a:schemeClr val="tx1">
+                    <a:lumMod val="75000"/>
+                    <a:lumOff val="25000"/>
+                  </a:schemeClr>
+                </a:solidFill>
+                <a:latin typeface="+mn-lt"/>
+                <a:ea typeface="+mn-ea"/>
+                <a:cs typeface="+mn-cs"/>
+              </a:defRPr>
+            </a:lvl6pPr>
+            <a:lvl7pPr marL="2971800" indent="-228600" algn="l" defTabSz="457200" rtl="0" eaLnBrk="1" latinLnBrk="0" hangingPunct="1">
+              <a:spcBef>
+                <a:spcPts val="1000"/>
+              </a:spcBef>
+              <a:spcAft>
+                <a:spcPts val="0"/>
+              </a:spcAft>
+              <a:buClr>
+                <a:schemeClr val="accent1"/>
+              </a:buClr>
+              <a:buSzPct val="80000"/>
+              <a:buFont typeface="Wingdings 3" charset="2"/>
+              <a:buChar char=""/>
+              <a:defRPr sz="1200" kern="1200">
+                <a:solidFill>
+                  <a:schemeClr val="tx1">
+                    <a:lumMod val="75000"/>
+                    <a:lumOff val="25000"/>
+                  </a:schemeClr>
+                </a:solidFill>
+                <a:latin typeface="+mn-lt"/>
+                <a:ea typeface="+mn-ea"/>
+                <a:cs typeface="+mn-cs"/>
+              </a:defRPr>
+            </a:lvl7pPr>
+            <a:lvl8pPr marL="3429000" indent="-228600" algn="l" defTabSz="457200" rtl="0" eaLnBrk="1" latinLnBrk="0" hangingPunct="1">
+              <a:spcBef>
+                <a:spcPts val="1000"/>
+              </a:spcBef>
+              <a:spcAft>
+                <a:spcPts val="0"/>
+              </a:spcAft>
+              <a:buClr>
+                <a:schemeClr val="accent1"/>
+              </a:buClr>
+              <a:buSzPct val="80000"/>
+              <a:buFont typeface="Wingdings 3" charset="2"/>
+              <a:buChar char=""/>
+              <a:defRPr sz="1200" kern="1200">
+                <a:solidFill>
+                  <a:schemeClr val="tx1">
+                    <a:lumMod val="75000"/>
+                    <a:lumOff val="25000"/>
+                  </a:schemeClr>
+                </a:solidFill>
+                <a:latin typeface="+mn-lt"/>
+                <a:ea typeface="+mn-ea"/>
+                <a:cs typeface="+mn-cs"/>
+              </a:defRPr>
+            </a:lvl8pPr>
+            <a:lvl9pPr marL="3886200" indent="-228600" algn="l" defTabSz="457200" rtl="0" eaLnBrk="1" latinLnBrk="0" hangingPunct="1">
+              <a:spcBef>
+                <a:spcPts val="1000"/>
+              </a:spcBef>
+              <a:spcAft>
+                <a:spcPts val="0"/>
+              </a:spcAft>
+              <a:buClr>
+                <a:schemeClr val="accent1"/>
+              </a:buClr>
+              <a:buSzPct val="80000"/>
+              <a:buFont typeface="Wingdings 3" charset="2"/>
+              <a:buChar char=""/>
+              <a:defRPr sz="1200" kern="1200">
+                <a:solidFill>
+                  <a:schemeClr val="tx1">
+                    <a:lumMod val="75000"/>
+                    <a:lumOff val="25000"/>
+                  </a:schemeClr>
+                </a:solidFill>
+                <a:latin typeface="+mn-lt"/>
+                <a:ea typeface="+mn-ea"/>
+                <a:cs typeface="+mn-cs"/>
+              </a:defRPr>
+            </a:lvl9pPr>
+          </a:lstStyle>
+          <a:p>
+            <a:r>
+              <a:rPr lang="en-US" dirty="0"/>
+              <a:t>The passed token informs the API that the bearer of the token has been authorized to access the API and perform specific actions specified by the scope that was granted during authorization.</a:t>
+            </a:r>
+          </a:p>
+          <a:p>
+            <a:r>
+              <a:rPr lang="en-US" b="1" dirty="0"/>
+              <a:t>JSON Web Token</a:t>
+            </a:r>
+            <a:r>
+              <a:rPr lang="en-US" dirty="0"/>
+              <a:t> (</a:t>
+            </a:r>
+            <a:r>
+              <a:rPr lang="en-US" b="1" dirty="0"/>
+              <a:t>JWT</a:t>
+            </a:r>
+            <a:r>
+              <a:rPr lang="en-US" dirty="0"/>
+              <a:t>) is an Internet standard for creating </a:t>
+            </a:r>
+            <a:r>
+              <a:rPr lang="en-US" dirty="0">
+                <a:hlinkClick r:id="rId2" tooltip="JSON"/>
+              </a:rPr>
+              <a:t>JSON</a:t>
+            </a:r>
+            <a:r>
+              <a:rPr lang="en-US" dirty="0"/>
+              <a:t>-based </a:t>
+            </a:r>
+            <a:r>
+              <a:rPr lang="en-US" dirty="0">
+                <a:hlinkClick r:id="rId3" tooltip="Access token"/>
+              </a:rPr>
+              <a:t>access tokens</a:t>
+            </a:r>
+            <a:r>
+              <a:rPr lang="en-US" dirty="0"/>
+              <a:t> that assert some number of claims like "logged in as admin" and provide that to a client. The client could then use that token to prove that it is logged in as admin. The tokens are signed by one party's private key, so that both parties are able to verify that the token is legitimate.</a:t>
+            </a:r>
+            <a:endParaRPr lang="pl-PL" dirty="0"/>
+          </a:p>
+        </p:txBody>
+      </p:sp>
+    </p:spTree>
+    <p:extLst>
+      <p:ext uri="{BB962C8B-B14F-4D97-AF65-F5344CB8AC3E}">
+        <p14:creationId xmlns:p14="http://schemas.microsoft.com/office/powerpoint/2010/main" val="262399092"/>
+      </p:ext>
+    </p:extLst>
+  </p:cSld>
+  <p:clrMapOvr>
+    <a:masterClrMapping/>
+  </p:clrMapOvr>
+</p:sld>
+</file>
+
+<file path=ppt/slides/slide5.xml><?xml version="1.0" encoding="utf-8"?>
+<p:sld xmlns:a="http://schemas.openxmlformats.org/drawingml/2006/main" xmlns:r="http://schemas.openxmlformats.org/officeDocument/2006/relationships" xmlns:p="http://schemas.openxmlformats.org/presentationml/2006/main">
+  <p:cSld>
+    <p:spTree>
+      <p:nvGrpSpPr>
+        <p:cNvPr id="1" name=""/>
+        <p:cNvGrpSpPr/>
+        <p:nvPr/>
+      </p:nvGrpSpPr>
+      <p:grpSpPr>
+        <a:xfrm>
+          <a:off x="0" y="0"/>
+          <a:ext cx="0" cy="0"/>
+          <a:chOff x="0" y="0"/>
+          <a:chExt cx="0" cy="0"/>
+        </a:xfrm>
+      </p:grpSpPr>
+      <p:sp>
+        <p:nvSpPr>
+          <p:cNvPr id="2" name="Title 1">
+            <a:extLst>
+              <a:ext uri="{FF2B5EF4-FFF2-40B4-BE49-F238E27FC236}">
+                <a16:creationId xmlns:a16="http://schemas.microsoft.com/office/drawing/2014/main" id="{B5503358-B87E-4CE7-B76E-9121533B76D1}"/>
+              </a:ext>
+            </a:extLst>
+          </p:cNvPr>
+          <p:cNvSpPr>
+            <a:spLocks noGrp="1"/>
+          </p:cNvSpPr>
+          <p:nvPr>
+            <p:ph type="title"/>
+          </p:nvPr>
+        </p:nvSpPr>
+        <p:spPr/>
+        <p:txBody>
+          <a:bodyPr/>
+          <a:lstStyle/>
+          <a:p>
+            <a:r>
+              <a:rPr lang="en-US" dirty="0"/>
+              <a:t>JWT Tokens</a:t>
+            </a:r>
+            <a:endParaRPr lang="pl-PL" dirty="0"/>
+          </a:p>
+        </p:txBody>
+      </p:sp>
+      <p:sp>
+        <p:nvSpPr>
+          <p:cNvPr id="3" name="Content Placeholder 2">
+            <a:extLst>
+              <a:ext uri="{FF2B5EF4-FFF2-40B4-BE49-F238E27FC236}">
+                <a16:creationId xmlns:a16="http://schemas.microsoft.com/office/drawing/2014/main" id="{20896CA7-B8F2-4D3A-9B22-ED3F4A8E2A81}"/>
+              </a:ext>
+            </a:extLst>
+          </p:cNvPr>
+          <p:cNvSpPr>
+            <a:spLocks noGrp="1"/>
+          </p:cNvSpPr>
+          <p:nvPr>
+            <p:ph idx="1"/>
+          </p:nvPr>
+        </p:nvSpPr>
+        <p:spPr>
+          <a:xfrm>
+            <a:off x="677334" y="1432560"/>
+            <a:ext cx="8994986" cy="4958079"/>
+          </a:xfrm>
+        </p:spPr>
+        <p:txBody>
+          <a:bodyPr>
+            <a:normAutofit lnSpcReduction="10000"/>
+          </a:bodyPr>
+          <a:lstStyle/>
+          <a:p>
+            <a:r>
+              <a:rPr lang="en-US" dirty="0"/>
+              <a:t>Using JWT tokens you can build stateless web applications that don’t require session handling. As result application can achieve higher scalability without sticky sessions.</a:t>
+            </a:r>
+          </a:p>
+          <a:p>
+            <a:r>
+              <a:rPr lang="en-US" dirty="0"/>
+              <a:t>One disadvantage is that </a:t>
+            </a:r>
+            <a:r>
+              <a:rPr lang="en-US" b="1" dirty="0"/>
+              <a:t>you can't easily revoke an access token</a:t>
+            </a:r>
+            <a:r>
+              <a:rPr lang="en-US" dirty="0"/>
+              <a:t>, so they normally are granted with short expiry and the revocation is handled at the refresh token. Another disadvantage is that the tokens can get quite large if you are storing a lot of user credential information in them. The </a:t>
+            </a:r>
+            <a:r>
+              <a:rPr lang="en-US" dirty="0" err="1"/>
+              <a:t>JwtTokenStore</a:t>
+            </a:r>
+            <a:r>
+              <a:rPr lang="en-US" dirty="0"/>
+              <a:t> is not really a "store" in the sense that it doesn't persist any data. </a:t>
+            </a:r>
+            <a:r>
+              <a:rPr lang="en-US" u="sng" dirty="0">
+                <a:hlinkClick r:id="rId2"/>
+              </a:rPr>
+              <a:t>read more</a:t>
+            </a:r>
+            <a:endParaRPr lang="en-US" u="sng" dirty="0"/>
+          </a:p>
+          <a:p>
+            <a:r>
+              <a:rPr lang="en-US" dirty="0"/>
+              <a:t>The </a:t>
+            </a:r>
+            <a:r>
+              <a:rPr lang="en-US" b="1" dirty="0" err="1"/>
+              <a:t>JdbcTokenStore</a:t>
+            </a:r>
+            <a:r>
+              <a:rPr lang="en-US" dirty="0"/>
+              <a:t> is the JDBC version of the same thing, which stores token data in a relational database. Use the JDBC version if you can share a database between servers, either scaled up instances of the same server if there is only one, or the Authorization and Resources Servers if there are multiple components. To use the </a:t>
+            </a:r>
+            <a:r>
+              <a:rPr lang="en-US" dirty="0" err="1"/>
+              <a:t>JdbcTokenStore</a:t>
+            </a:r>
+            <a:r>
+              <a:rPr lang="en-US" dirty="0"/>
+              <a:t> you need "spring-</a:t>
+            </a:r>
+            <a:r>
+              <a:rPr lang="en-US" dirty="0" err="1"/>
+              <a:t>jdbc</a:t>
+            </a:r>
+            <a:r>
+              <a:rPr lang="en-US" dirty="0"/>
+              <a:t>" on the </a:t>
+            </a:r>
+            <a:r>
+              <a:rPr lang="en-US" dirty="0" err="1"/>
+              <a:t>classpath</a:t>
+            </a:r>
+            <a:r>
+              <a:rPr lang="en-US" dirty="0"/>
+              <a:t>. </a:t>
+            </a:r>
+            <a:r>
+              <a:rPr lang="en-US" u="sng" dirty="0">
+                <a:hlinkClick r:id="rId2"/>
+              </a:rPr>
+              <a:t>read more</a:t>
+            </a:r>
+            <a:endParaRPr lang="en-US" u="sng" dirty="0"/>
+          </a:p>
+          <a:p>
+            <a:r>
+              <a:rPr lang="en-US" dirty="0"/>
+              <a:t>In case of </a:t>
+            </a:r>
+            <a:r>
+              <a:rPr lang="en-US" dirty="0" err="1"/>
+              <a:t>JdbcTokenStore</a:t>
+            </a:r>
+            <a:r>
+              <a:rPr lang="en-US" dirty="0"/>
+              <a:t> you're saving the tokens in real database. So you're safe in case of Authorization service restart. The tokens can be also easily shared among the servers and revoked. But you have more </a:t>
+            </a:r>
+            <a:r>
+              <a:rPr lang="en-US" dirty="0" err="1"/>
+              <a:t>dependancies</a:t>
+            </a:r>
+            <a:r>
+              <a:rPr lang="en-US" dirty="0"/>
+              <a:t> for database.</a:t>
+            </a:r>
+            <a:endParaRPr lang="pl-PL" dirty="0"/>
+          </a:p>
+        </p:txBody>
+      </p:sp>
+    </p:spTree>
+    <p:extLst>
+      <p:ext uri="{BB962C8B-B14F-4D97-AF65-F5344CB8AC3E}">
+        <p14:creationId xmlns:p14="http://schemas.microsoft.com/office/powerpoint/2010/main" val="1728851029"/>
+      </p:ext>
+    </p:extLst>
+  </p:cSld>
+  <p:clrMapOvr>
+    <a:masterClrMapping/>
+  </p:clrMapOvr>
+</p:sld>
+</file>
+
+<file path=ppt/slides/slide6.xml><?xml version="1.0" encoding="utf-8"?>
+<p:sld xmlns:a="http://schemas.openxmlformats.org/drawingml/2006/main" xmlns:r="http://schemas.openxmlformats.org/officeDocument/2006/relationships" xmlns:p="http://schemas.openxmlformats.org/presentationml/2006/main">
+  <p:cSld>
+    <p:spTree>
+      <p:nvGrpSpPr>
+        <p:cNvPr id="1" name=""/>
+        <p:cNvGrpSpPr/>
+        <p:nvPr/>
+      </p:nvGrpSpPr>
+      <p:grpSpPr>
+        <a:xfrm>
+          <a:off x="0" y="0"/>
+          <a:ext cx="0" cy="0"/>
+          <a:chOff x="0" y="0"/>
+          <a:chExt cx="0" cy="0"/>
+        </a:xfrm>
+      </p:grpSpPr>
+      <p:sp>
+        <p:nvSpPr>
+          <p:cNvPr id="2" name="Title 1">
+            <a:extLst>
+              <a:ext uri="{FF2B5EF4-FFF2-40B4-BE49-F238E27FC236}">
+                <a16:creationId xmlns:a16="http://schemas.microsoft.com/office/drawing/2014/main" id="{D42A9A82-F0EE-4E52-B355-223FFDCFD30F}"/>
+              </a:ext>
+            </a:extLst>
+          </p:cNvPr>
+          <p:cNvSpPr>
+            <a:spLocks noGrp="1"/>
+          </p:cNvSpPr>
+          <p:nvPr>
+            <p:ph type="title"/>
+          </p:nvPr>
+        </p:nvSpPr>
+        <p:spPr/>
+        <p:txBody>
+          <a:bodyPr/>
+          <a:lstStyle/>
+          <a:p>
+            <a:r>
+              <a:rPr lang="en-US" dirty="0"/>
+              <a:t>Secure User Microservice </a:t>
+            </a:r>
+            <a:endParaRPr lang="pl-PL" dirty="0"/>
+          </a:p>
+        </p:txBody>
+      </p:sp>
+      <p:sp>
+        <p:nvSpPr>
+          <p:cNvPr id="3" name="Content Placeholder 2">
+            <a:extLst>
+              <a:ext uri="{FF2B5EF4-FFF2-40B4-BE49-F238E27FC236}">
+                <a16:creationId xmlns:a16="http://schemas.microsoft.com/office/drawing/2014/main" id="{6C9A9C21-6E24-4B8A-A46C-4732C7D5AAA8}"/>
+              </a:ext>
+            </a:extLst>
+          </p:cNvPr>
+          <p:cNvSpPr>
+            <a:spLocks noGrp="1"/>
+          </p:cNvSpPr>
+          <p:nvPr>
+            <p:ph idx="1"/>
+          </p:nvPr>
+        </p:nvSpPr>
+        <p:spPr>
+          <a:xfrm>
+            <a:off x="574762" y="1415586"/>
+            <a:ext cx="8596668" cy="3880773"/>
+          </a:xfrm>
+        </p:spPr>
+        <p:txBody>
+          <a:bodyPr/>
+          <a:lstStyle/>
+          <a:p>
+            <a:r>
+              <a:rPr lang="en-US" dirty="0"/>
+              <a:t>Let’s secure our user-service. From that moment only requests that contain authorization header with authentication token will be served.</a:t>
+            </a:r>
+          </a:p>
+          <a:p>
+            <a:r>
+              <a:rPr lang="en-US" dirty="0"/>
+              <a:t>Add maven dependencies:</a:t>
+            </a:r>
+          </a:p>
+          <a:p>
+            <a:endParaRPr lang="en-US" dirty="0"/>
+          </a:p>
+          <a:p>
+            <a:endParaRPr lang="en-US" dirty="0"/>
+          </a:p>
+          <a:p>
+            <a:endParaRPr lang="en-US" dirty="0"/>
+          </a:p>
+          <a:p>
+            <a:endParaRPr lang="en-US" dirty="0"/>
+          </a:p>
+          <a:p>
+            <a:endParaRPr lang="en-US" dirty="0"/>
+          </a:p>
+          <a:p>
+            <a:r>
+              <a:rPr lang="en-US" dirty="0"/>
+              <a:t>Now attempt to make request to user service without authentication token will lead to error:</a:t>
+            </a:r>
+            <a:endParaRPr lang="pl-PL" dirty="0"/>
+          </a:p>
+        </p:txBody>
+      </p:sp>
+      <p:pic>
+        <p:nvPicPr>
+          <p:cNvPr id="4" name="Picture 3">
+            <a:extLst>
+              <a:ext uri="{FF2B5EF4-FFF2-40B4-BE49-F238E27FC236}">
+                <a16:creationId xmlns:a16="http://schemas.microsoft.com/office/drawing/2014/main" id="{065E629E-54CA-4032-92C0-2B5158187F32}"/>
+              </a:ext>
+            </a:extLst>
+          </p:cNvPr>
+          <p:cNvPicPr>
+            <a:picLocks noChangeAspect="1"/>
+          </p:cNvPicPr>
+          <p:nvPr/>
+        </p:nvPicPr>
+        <p:blipFill>
+          <a:blip r:embed="rId2"/>
+          <a:stretch>
+            <a:fillRect/>
+          </a:stretch>
+        </p:blipFill>
+        <p:spPr>
+          <a:xfrm>
+            <a:off x="4112808" y="2066659"/>
+            <a:ext cx="6962775" cy="2181225"/>
+          </a:xfrm>
+          <a:prstGeom prst="rect">
+            <a:avLst/>
+          </a:prstGeom>
+          <a:solidFill>
+            <a:srgbClr val="FFFFFF">
+              <a:shade val="85000"/>
+            </a:srgbClr>
+          </a:solidFill>
+          <a:ln w="88900" cap="sq">
+            <a:solidFill>
+              <a:srgbClr val="FFFFFF"/>
+            </a:solidFill>
+            <a:miter lim="800000"/>
+          </a:ln>
+          <a:effectLst>
+            <a:outerShdw blurRad="55000" dist="18000" dir="5400000" algn="tl" rotWithShape="0">
+              <a:srgbClr val="000000">
+                <a:alpha val="40000"/>
+              </a:srgbClr>
+            </a:outerShdw>
+          </a:effectLst>
+          <a:scene3d>
+            <a:camera prst="orthographicFront"/>
+            <a:lightRig rig="twoPt" dir="t">
+              <a:rot lat="0" lon="0" rev="7200000"/>
+            </a:lightRig>
+          </a:scene3d>
+          <a:sp3d>
+            <a:bevelT w="25400" h="19050"/>
+            <a:contourClr>
+              <a:srgbClr val="FFFFFF"/>
+            </a:contourClr>
+          </a:sp3d>
+        </p:spPr>
+      </p:pic>
+      <p:pic>
+        <p:nvPicPr>
+          <p:cNvPr id="5" name="Picture 4">
+            <a:extLst>
+              <a:ext uri="{FF2B5EF4-FFF2-40B4-BE49-F238E27FC236}">
+                <a16:creationId xmlns:a16="http://schemas.microsoft.com/office/drawing/2014/main" id="{40B01632-C521-40CA-A6AE-A6AA00A76888}"/>
+              </a:ext>
+            </a:extLst>
+          </p:cNvPr>
+          <p:cNvPicPr>
+            <a:picLocks noChangeAspect="1"/>
+          </p:cNvPicPr>
+          <p:nvPr/>
+        </p:nvPicPr>
+        <p:blipFill>
+          <a:blip r:embed="rId3"/>
+          <a:stretch>
+            <a:fillRect/>
+          </a:stretch>
+        </p:blipFill>
+        <p:spPr>
+          <a:xfrm>
+            <a:off x="756092" y="2874959"/>
+            <a:ext cx="2905125" cy="962025"/>
+          </a:xfrm>
+          <a:prstGeom prst="rect">
+            <a:avLst/>
+          </a:prstGeom>
+          <a:solidFill>
+            <a:srgbClr val="FFFFFF">
+              <a:shade val="85000"/>
+            </a:srgbClr>
+          </a:solidFill>
+          <a:ln w="88900" cap="sq">
+            <a:solidFill>
+              <a:srgbClr val="FFFFFF"/>
+            </a:solidFill>
+            <a:miter lim="800000"/>
+          </a:ln>
+          <a:effectLst>
+            <a:outerShdw blurRad="55000" dist="18000" dir="5400000" algn="tl" rotWithShape="0">
+              <a:srgbClr val="000000">
+                <a:alpha val="40000"/>
+              </a:srgbClr>
+            </a:outerShdw>
+          </a:effectLst>
+          <a:scene3d>
+            <a:camera prst="orthographicFront"/>
+            <a:lightRig rig="twoPt" dir="t">
+              <a:rot lat="0" lon="0" rev="7200000"/>
+            </a:lightRig>
+          </a:scene3d>
+          <a:sp3d>
+            <a:bevelT w="25400" h="19050"/>
+            <a:contourClr>
+              <a:srgbClr val="FFFFFF"/>
+            </a:contourClr>
+          </a:sp3d>
+        </p:spPr>
+      </p:pic>
+      <p:sp>
+        <p:nvSpPr>
+          <p:cNvPr id="6" name="Rectangle 5">
+            <a:extLst>
+              <a:ext uri="{FF2B5EF4-FFF2-40B4-BE49-F238E27FC236}">
+                <a16:creationId xmlns:a16="http://schemas.microsoft.com/office/drawing/2014/main" id="{3313B5DC-9764-46C2-A19C-5C94478BF0CD}"/>
+              </a:ext>
+            </a:extLst>
+          </p:cNvPr>
+          <p:cNvSpPr/>
+          <p:nvPr/>
+        </p:nvSpPr>
+        <p:spPr>
+          <a:xfrm>
+            <a:off x="3178002" y="5047336"/>
+            <a:ext cx="6096000" cy="1477328"/>
+          </a:xfrm>
+          <a:prstGeom prst="rect">
+            <a:avLst/>
+          </a:prstGeom>
+          <a:solidFill>
+            <a:srgbClr val="FFFFFF">
+              <a:shade val="85000"/>
+            </a:srgbClr>
+          </a:solidFill>
+          <a:ln w="88900" cap="sq">
+            <a:solidFill>
+              <a:srgbClr val="FFFFFF"/>
+            </a:solidFill>
+            <a:miter lim="800000"/>
+          </a:ln>
+          <a:effectLst>
+            <a:outerShdw blurRad="55000" dist="18000" dir="5400000" algn="tl" rotWithShape="0">
+              <a:srgbClr val="000000">
+                <a:alpha val="40000"/>
+              </a:srgbClr>
+            </a:outerShdw>
+          </a:effectLst>
+          <a:scene3d>
+            <a:camera prst="orthographicFront"/>
+            <a:lightRig rig="twoPt" dir="t">
+              <a:rot lat="0" lon="0" rev="7200000"/>
+            </a:lightRig>
+          </a:scene3d>
+          <a:sp3d>
+            <a:bevelT w="25400" h="19050"/>
+            <a:contourClr>
+              <a:srgbClr val="FFFFFF"/>
+            </a:contourClr>
+          </a:sp3d>
+        </p:spPr>
+        <p:txBody>
+          <a:bodyPr>
+            <a:spAutoFit/>
+          </a:bodyPr>
+          <a:lstStyle/>
+          <a:p>
+            <a:r>
+              <a:rPr lang="en-US" dirty="0">
+                <a:solidFill>
+                  <a:srgbClr val="FF0000"/>
+                </a:solidFill>
+                <a:latin typeface="Consolas" panose="020B0609020204030204" pitchFamily="49" charset="0"/>
+              </a:rPr>
+              <a:t>HTTP/1.1 401</a:t>
+            </a:r>
+          </a:p>
+          <a:p>
+            <a:r>
+              <a:rPr lang="en-US" b="1" dirty="0">
+                <a:solidFill>
+                  <a:srgbClr val="4A4A4A"/>
+                </a:solidFill>
+                <a:latin typeface="Roboto"/>
+              </a:rPr>
+              <a:t>Pragma: </a:t>
+            </a:r>
+            <a:r>
+              <a:rPr lang="en-US" dirty="0">
+                <a:solidFill>
+                  <a:srgbClr val="333333"/>
+                </a:solidFill>
+                <a:latin typeface="Roboto"/>
+              </a:rPr>
+              <a:t>no-cache</a:t>
+            </a:r>
+          </a:p>
+          <a:p>
+            <a:r>
+              <a:rPr lang="en-US" b="1" dirty="0">
+                <a:solidFill>
+                  <a:srgbClr val="4A4A4A"/>
+                </a:solidFill>
+                <a:latin typeface="Roboto"/>
+              </a:rPr>
+              <a:t>WWW-Authenticate: </a:t>
+            </a:r>
+            <a:r>
+              <a:rPr lang="en-US" dirty="0">
+                <a:solidFill>
+                  <a:srgbClr val="333333"/>
+                </a:solidFill>
+                <a:latin typeface="Roboto"/>
+              </a:rPr>
+              <a:t>Bearer realm="oauth2-resource", error="unauthorized", </a:t>
+            </a:r>
+            <a:r>
+              <a:rPr lang="en-US" dirty="0" err="1">
+                <a:solidFill>
+                  <a:srgbClr val="333333"/>
+                </a:solidFill>
+                <a:latin typeface="Roboto"/>
+              </a:rPr>
+              <a:t>error_description</a:t>
+            </a:r>
+            <a:r>
+              <a:rPr lang="en-US" dirty="0">
+                <a:solidFill>
+                  <a:srgbClr val="333333"/>
+                </a:solidFill>
+                <a:latin typeface="Roboto"/>
+              </a:rPr>
+              <a:t>="Full authentication is required to access this resource"</a:t>
+            </a:r>
+            <a:endParaRPr lang="en-US" b="0" i="0" dirty="0">
+              <a:solidFill>
+                <a:srgbClr val="333333"/>
+              </a:solidFill>
+              <a:effectLst/>
+              <a:latin typeface="Roboto"/>
+            </a:endParaRPr>
+          </a:p>
+        </p:txBody>
+      </p:sp>
+    </p:spTree>
+    <p:extLst>
+      <p:ext uri="{BB962C8B-B14F-4D97-AF65-F5344CB8AC3E}">
+        <p14:creationId xmlns:p14="http://schemas.microsoft.com/office/powerpoint/2010/main" val="3949965681"/>
+      </p:ext>
+    </p:extLst>
+  </p:cSld>
+  <p:clrMapOvr>
+    <a:masterClrMapping/>
+  </p:clrMapOvr>
+</p:sld>
+</file>
+
 <file path=ppt/theme/theme1.xml><?xml version="1.0" encoding="utf-8"?>
 <a:theme xmlns:a="http://schemas.openxmlformats.org/drawingml/2006/main" name="Facet">
   <a:themeElements>
